--- a/Population.pptx
+++ b/Population.pptx
@@ -5,10 +5,10 @@
     <p:sldMasterId id="2147483648" r:id="rId1"/>
   </p:sldMasterIdLst>
   <p:notesMasterIdLst>
-    <p:notesMasterId r:id="rId17"/>
+    <p:notesMasterId r:id="rId18"/>
   </p:notesMasterIdLst>
   <p:handoutMasterIdLst>
-    <p:handoutMasterId r:id="rId18"/>
+    <p:handoutMasterId r:id="rId19"/>
   </p:handoutMasterIdLst>
   <p:sldIdLst>
     <p:sldId id="258" r:id="rId2"/>
@@ -20,12 +20,13 @@
     <p:sldId id="285" r:id="rId8"/>
     <p:sldId id="301" r:id="rId9"/>
     <p:sldId id="287" r:id="rId10"/>
-    <p:sldId id="295" r:id="rId11"/>
-    <p:sldId id="289" r:id="rId12"/>
-    <p:sldId id="290" r:id="rId13"/>
-    <p:sldId id="300" r:id="rId14"/>
-    <p:sldId id="291" r:id="rId15"/>
-    <p:sldId id="293" r:id="rId16"/>
+    <p:sldId id="302" r:id="rId11"/>
+    <p:sldId id="295" r:id="rId12"/>
+    <p:sldId id="289" r:id="rId13"/>
+    <p:sldId id="290" r:id="rId14"/>
+    <p:sldId id="300" r:id="rId15"/>
+    <p:sldId id="291" r:id="rId16"/>
+    <p:sldId id="293" r:id="rId17"/>
   </p:sldIdLst>
   <p:sldSz cx="12192000" cy="6858000"/>
   <p:notesSz cx="6858000" cy="9144000"/>
@@ -804,7 +805,7 @@
           <a:p>
             <a:fld id="{77542409-6A04-4DC6-AC3A-D3758287A8F2}" type="slidenum">
               <a:rPr lang="en-US" smtClean="0"/>
-              <a:t>10</a:t>
+              <a:t>8</a:t>
             </a:fld>
             <a:endParaRPr lang="en-US"/>
           </a:p>
@@ -813,7 +814,7 @@
     </p:spTree>
     <p:extLst>
       <p:ext uri="{BB962C8B-B14F-4D97-AF65-F5344CB8AC3E}">
-        <p14:creationId xmlns:p14="http://schemas.microsoft.com/office/powerpoint/2010/main" val="21522604"/>
+        <p14:creationId xmlns:p14="http://schemas.microsoft.com/office/powerpoint/2010/main" val="927655497"/>
       </p:ext>
     </p:extLst>
   </p:cSld>
@@ -897,7 +898,7 @@
     </p:spTree>
     <p:extLst>
       <p:ext uri="{BB962C8B-B14F-4D97-AF65-F5344CB8AC3E}">
-        <p14:creationId xmlns:p14="http://schemas.microsoft.com/office/powerpoint/2010/main" val="2863080131"/>
+        <p14:creationId xmlns:p14="http://schemas.microsoft.com/office/powerpoint/2010/main" val="21522604"/>
       </p:ext>
     </p:extLst>
   </p:cSld>
@@ -951,112 +952,33 @@
           <a:bodyPr/>
           <a:lstStyle/>
           <a:p>
-            <a:pPr marL="0" marR="0" lvl="0" indent="0" algn="l" defTabSz="914400" rtl="0" eaLnBrk="1" fontAlgn="auto" latinLnBrk="0" hangingPunct="1">
-              <a:lnSpc>
-                <a:spcPct val="100000"/>
-              </a:lnSpc>
-              <a:spcBef>
-                <a:spcPts val="0"/>
-              </a:spcBef>
-              <a:spcAft>
-                <a:spcPts val="0"/>
-              </a:spcAft>
-              <a:buClrTx/>
-              <a:buSzTx/>
+            <a:pPr marL="171450" indent="-171450">
               <a:buFontTx/>
-              <a:buNone/>
-              <a:tabLst/>
-              <a:defRPr/>
+              <a:buChar char="-"/>
             </a:pPr>
             <a:r>
               <a:rPr lang="en-US" dirty="0"/>
-              <a:t>(Blue) Air Pollution</a:t>
-            </a:r>
-          </a:p>
-          <a:p>
-            <a:pPr marL="0" marR="0" lvl="0" indent="0" algn="l" defTabSz="914400" rtl="0" eaLnBrk="1" fontAlgn="auto" latinLnBrk="0" hangingPunct="1">
-              <a:lnSpc>
-                <a:spcPct val="100000"/>
-              </a:lnSpc>
-              <a:spcBef>
-                <a:spcPts val="0"/>
-              </a:spcBef>
-              <a:spcAft>
-                <a:spcPts val="0"/>
-              </a:spcAft>
-              <a:buClrTx/>
-              <a:buSzTx/>
+              <a:t>We wanted to know which countries were healthiest and whether population was a factor.</a:t>
+            </a:r>
+          </a:p>
+          <a:p>
+            <a:pPr marL="171450" indent="-171450">
               <a:buFontTx/>
-              <a:buNone/>
-              <a:tabLst/>
-              <a:defRPr/>
+              <a:buChar char="-"/>
             </a:pPr>
-            <a:endParaRPr lang="en-US" dirty="0"/>
-          </a:p>
-          <a:p>
-            <a:pPr marL="0" marR="0" lvl="0" indent="0" algn="l" defTabSz="914400" rtl="0" eaLnBrk="1" fontAlgn="auto" latinLnBrk="0" hangingPunct="1">
-              <a:lnSpc>
-                <a:spcPct val="100000"/>
-              </a:lnSpc>
-              <a:spcBef>
-                <a:spcPts val="0"/>
-              </a:spcBef>
-              <a:spcAft>
-                <a:spcPts val="0"/>
-              </a:spcAft>
-              <a:buClrTx/>
-              <a:buSzTx/>
+            <a:r>
+              <a:rPr lang="en-US" dirty="0"/>
+              <a:t>To do this, the Infant Mortality Rate is typically a good indicator for a society to measure their overall health.</a:t>
+            </a:r>
+          </a:p>
+          <a:p>
+            <a:pPr marL="171450" indent="-171450">
               <a:buFontTx/>
-              <a:buNone/>
-              <a:tabLst/>
-              <a:defRPr/>
+              <a:buChar char="-"/>
             </a:pPr>
             <a:r>
               <a:rPr lang="en-US" dirty="0"/>
-              <a:t>(Red) Cancer</a:t>
-            </a:r>
-          </a:p>
-          <a:p>
-            <a:pPr marL="0" marR="0" lvl="0" indent="0" algn="l" defTabSz="914400" rtl="0" eaLnBrk="1" fontAlgn="auto" latinLnBrk="0" hangingPunct="1">
-              <a:lnSpc>
-                <a:spcPct val="100000"/>
-              </a:lnSpc>
-              <a:spcBef>
-                <a:spcPts val="0"/>
-              </a:spcBef>
-              <a:spcAft>
-                <a:spcPts val="0"/>
-              </a:spcAft>
-              <a:buClrTx/>
-              <a:buSzTx/>
-              <a:buFontTx/>
-              <a:buNone/>
-              <a:tabLst/>
-              <a:defRPr/>
-            </a:pPr>
-            <a:endParaRPr lang="en-US" dirty="0"/>
-          </a:p>
-          <a:p>
-            <a:pPr marL="0" marR="0" lvl="0" indent="0" algn="l" defTabSz="914400" rtl="0" eaLnBrk="1" fontAlgn="auto" latinLnBrk="0" hangingPunct="1">
-              <a:lnSpc>
-                <a:spcPct val="100000"/>
-              </a:lnSpc>
-              <a:spcBef>
-                <a:spcPts val="0"/>
-              </a:spcBef>
-              <a:spcAft>
-                <a:spcPts val="0"/>
-              </a:spcAft>
-              <a:buClrTx/>
-              <a:buSzTx/>
-              <a:buFontTx/>
-              <a:buNone/>
-              <a:tabLst/>
-              <a:defRPr/>
-            </a:pPr>
-            <a:r>
-              <a:rPr lang="en-US" dirty="0"/>
-              <a:t>(Orange) Cardiovascular</a:t>
+              <a:t>According to the graph…</a:t>
             </a:r>
           </a:p>
         </p:txBody>
@@ -1087,7 +1009,7 @@
     </p:spTree>
     <p:extLst>
       <p:ext uri="{BB962C8B-B14F-4D97-AF65-F5344CB8AC3E}">
-        <p14:creationId xmlns:p14="http://schemas.microsoft.com/office/powerpoint/2010/main" val="3425406703"/>
+        <p14:creationId xmlns:p14="http://schemas.microsoft.com/office/powerpoint/2010/main" val="2863080131"/>
       </p:ext>
     </p:extLst>
   </p:cSld>
@@ -1141,37 +1063,155 @@
           <a:bodyPr/>
           <a:lstStyle/>
           <a:p>
+            <a:pPr marL="0" marR="0" lvl="0" indent="0" algn="l" defTabSz="914400" rtl="0" eaLnBrk="1" fontAlgn="auto" latinLnBrk="0" hangingPunct="1">
+              <a:lnSpc>
+                <a:spcPct val="100000"/>
+              </a:lnSpc>
+              <a:spcBef>
+                <a:spcPts val="0"/>
+              </a:spcBef>
+              <a:spcAft>
+                <a:spcPts val="0"/>
+              </a:spcAft>
+              <a:buClrTx/>
+              <a:buSzTx/>
+              <a:buFontTx/>
+              <a:buNone/>
+              <a:tabLst/>
+              <a:defRPr/>
+            </a:pPr>
             <a:r>
               <a:rPr lang="en-US" dirty="0"/>
-              <a:t>China 2</a:t>
-            </a:r>
-            <a:r>
-              <a:rPr lang="en-US" baseline="30000" dirty="0"/>
-              <a:t>nd</a:t>
-            </a:r>
+              <a:t>-W/ that being said, we also wanted to measure the impact of outdoor air pollution, which is one of the world’s largest health and environmental problems, against cardiovascular disease and cancer which are the leading causes of death worldwide.</a:t>
+            </a:r>
+          </a:p>
+          <a:p>
+            <a:pPr marL="0" marR="0" lvl="0" indent="0" algn="l" defTabSz="914400" rtl="0" eaLnBrk="1" fontAlgn="auto" latinLnBrk="0" hangingPunct="1">
+              <a:lnSpc>
+                <a:spcPct val="100000"/>
+              </a:lnSpc>
+              <a:spcBef>
+                <a:spcPts val="0"/>
+              </a:spcBef>
+              <a:spcAft>
+                <a:spcPts val="0"/>
+              </a:spcAft>
+              <a:buClrTx/>
+              <a:buSzTx/>
+              <a:buFontTx/>
+              <a:buNone/>
+              <a:tabLst/>
+              <a:defRPr/>
+            </a:pPr>
+            <a:endParaRPr lang="en-US" dirty="0"/>
+          </a:p>
+          <a:p>
+            <a:pPr marL="0" marR="0" lvl="0" indent="0" algn="l" defTabSz="914400" rtl="0" eaLnBrk="1" fontAlgn="auto" latinLnBrk="0" hangingPunct="1">
+              <a:lnSpc>
+                <a:spcPct val="100000"/>
+              </a:lnSpc>
+              <a:spcBef>
+                <a:spcPts val="0"/>
+              </a:spcBef>
+              <a:spcAft>
+                <a:spcPts val="0"/>
+              </a:spcAft>
+              <a:buClrTx/>
+              <a:buSzTx/>
+              <a:buFontTx/>
+              <a:buNone/>
+              <a:tabLst/>
+              <a:defRPr/>
+            </a:pPr>
             <a:r>
               <a:rPr lang="en-US" dirty="0"/>
-              <a:t> in all three categories w/ largest population</a:t>
-            </a:r>
-          </a:p>
-          <a:p>
+              <a:t>(Blue) Air Pollution</a:t>
+            </a:r>
+          </a:p>
+          <a:p>
+            <a:pPr marL="0" marR="0" lvl="0" indent="0" algn="l" defTabSz="914400" rtl="0" eaLnBrk="1" fontAlgn="auto" latinLnBrk="0" hangingPunct="1">
+              <a:lnSpc>
+                <a:spcPct val="100000"/>
+              </a:lnSpc>
+              <a:spcBef>
+                <a:spcPts val="0"/>
+              </a:spcBef>
+              <a:spcAft>
+                <a:spcPts val="0"/>
+              </a:spcAft>
+              <a:buClrTx/>
+              <a:buSzTx/>
+              <a:buFontTx/>
+              <a:buNone/>
+              <a:tabLst/>
+              <a:defRPr/>
+            </a:pPr>
+            <a:endParaRPr lang="en-US" dirty="0"/>
+          </a:p>
+          <a:p>
+            <a:pPr marL="0" marR="0" lvl="0" indent="0" algn="l" defTabSz="914400" rtl="0" eaLnBrk="1" fontAlgn="auto" latinLnBrk="0" hangingPunct="1">
+              <a:lnSpc>
+                <a:spcPct val="100000"/>
+              </a:lnSpc>
+              <a:spcBef>
+                <a:spcPts val="0"/>
+              </a:spcBef>
+              <a:spcAft>
+                <a:spcPts val="0"/>
+              </a:spcAft>
+              <a:buClrTx/>
+              <a:buSzTx/>
+              <a:buFontTx/>
+              <a:buNone/>
+              <a:tabLst/>
+              <a:defRPr/>
+            </a:pPr>
             <a:r>
               <a:rPr lang="en-US" dirty="0"/>
-              <a:t>India has the lowest cancer rates but the highest air pollution rates</a:t>
-            </a:r>
-          </a:p>
-          <a:p>
+              <a:t>(Red) Cancer</a:t>
+            </a:r>
+          </a:p>
+          <a:p>
+            <a:pPr marL="0" marR="0" lvl="0" indent="0" algn="l" defTabSz="914400" rtl="0" eaLnBrk="1" fontAlgn="auto" latinLnBrk="0" hangingPunct="1">
+              <a:lnSpc>
+                <a:spcPct val="100000"/>
+              </a:lnSpc>
+              <a:spcBef>
+                <a:spcPts val="0"/>
+              </a:spcBef>
+              <a:spcAft>
+                <a:spcPts val="0"/>
+              </a:spcAft>
+              <a:buClrTx/>
+              <a:buSzTx/>
+              <a:buFontTx/>
+              <a:buNone/>
+              <a:tabLst/>
+              <a:defRPr/>
+            </a:pPr>
+            <a:endParaRPr lang="en-US" dirty="0"/>
+          </a:p>
+          <a:p>
+            <a:pPr marL="0" marR="0" lvl="0" indent="0" algn="l" defTabSz="914400" rtl="0" eaLnBrk="1" fontAlgn="auto" latinLnBrk="0" hangingPunct="1">
+              <a:lnSpc>
+                <a:spcPct val="100000"/>
+              </a:lnSpc>
+              <a:spcBef>
+                <a:spcPts val="0"/>
+              </a:spcBef>
+              <a:spcAft>
+                <a:spcPts val="0"/>
+              </a:spcAft>
+              <a:buClrTx/>
+              <a:buSzTx/>
+              <a:buFontTx/>
+              <a:buNone/>
+              <a:tabLst/>
+              <a:defRPr/>
+            </a:pPr>
             <a:r>
               <a:rPr lang="en-US" dirty="0"/>
-              <a:t>Smaller countries that are less densely populated are south Africa, </a:t>
-            </a:r>
-            <a:r>
-              <a:rPr lang="en-US" dirty="0" err="1"/>
-              <a:t>uk</a:t>
-            </a:r>
-            <a:r>
-              <a:rPr lang="en-US" dirty="0"/>
-              <a:t>, and Germany that rank among the top 3 countries for all 3 categories. Surprising was UK’s cancer death rates as they rank among the best countries with healthcare.</a:t>
+              <a:t>(Orange) Cardiovascular</a:t>
             </a:r>
           </a:p>
         </p:txBody>
@@ -1202,7 +1242,7 @@
     </p:spTree>
     <p:extLst>
       <p:ext uri="{BB962C8B-B14F-4D97-AF65-F5344CB8AC3E}">
-        <p14:creationId xmlns:p14="http://schemas.microsoft.com/office/powerpoint/2010/main" val="1322470434"/>
+        <p14:creationId xmlns:p14="http://schemas.microsoft.com/office/powerpoint/2010/main" val="3425406703"/>
       </p:ext>
     </p:extLst>
   </p:cSld>
@@ -1256,6 +1296,255 @@
           <a:bodyPr/>
           <a:lstStyle/>
           <a:p>
+            <a:r>
+              <a:rPr lang="en-US" dirty="0"/>
+              <a:t>China 2</a:t>
+            </a:r>
+            <a:r>
+              <a:rPr lang="en-US" baseline="30000" dirty="0"/>
+              <a:t>nd</a:t>
+            </a:r>
+            <a:r>
+              <a:rPr lang="en-US" dirty="0"/>
+              <a:t> in all three categories w/ largest population</a:t>
+            </a:r>
+          </a:p>
+          <a:p>
+            <a:r>
+              <a:rPr lang="en-US" dirty="0"/>
+              <a:t>India has the lowest cancer rates but the highest air pollution rates</a:t>
+            </a:r>
+          </a:p>
+          <a:p>
+            <a:r>
+              <a:rPr lang="en-US" dirty="0"/>
+              <a:t>Smaller countries that are less densely populated are south Africa, </a:t>
+            </a:r>
+            <a:r>
+              <a:rPr lang="en-US" dirty="0" err="1"/>
+              <a:t>uk</a:t>
+            </a:r>
+            <a:r>
+              <a:rPr lang="en-US" dirty="0"/>
+              <a:t>, and Germany that rank among the top 3 countries for all 3 categories. Surprising was UK’s cancer death rates as they rank among the best countries with healthcare.</a:t>
+            </a:r>
+          </a:p>
+        </p:txBody>
+      </p:sp>
+      <p:sp>
+        <p:nvSpPr>
+          <p:cNvPr id="4" name="Slide Number Placeholder 3"/>
+          <p:cNvSpPr>
+            <a:spLocks noGrp="1"/>
+          </p:cNvSpPr>
+          <p:nvPr>
+            <p:ph type="sldNum" sz="quarter" idx="5"/>
+          </p:nvPr>
+        </p:nvSpPr>
+        <p:spPr/>
+        <p:txBody>
+          <a:bodyPr/>
+          <a:lstStyle/>
+          <a:p>
+            <a:fld id="{77542409-6A04-4DC6-AC3A-D3758287A8F2}" type="slidenum">
+              <a:rPr lang="en-US" smtClean="0"/>
+              <a:t>14</a:t>
+            </a:fld>
+            <a:endParaRPr lang="en-US"/>
+          </a:p>
+        </p:txBody>
+      </p:sp>
+    </p:spTree>
+    <p:extLst>
+      <p:ext uri="{BB962C8B-B14F-4D97-AF65-F5344CB8AC3E}">
+        <p14:creationId xmlns:p14="http://schemas.microsoft.com/office/powerpoint/2010/main" val="1322470434"/>
+      </p:ext>
+    </p:extLst>
+  </p:cSld>
+  <p:clrMapOvr>
+    <a:masterClrMapping/>
+  </p:clrMapOvr>
+</p:notes>
+</file>
+
+<file path=ppt/notesSlides/notesSlide7.xml><?xml version="1.0" encoding="utf-8"?>
+<p:notes xmlns:a="http://schemas.openxmlformats.org/drawingml/2006/main" xmlns:r="http://schemas.openxmlformats.org/officeDocument/2006/relationships" xmlns:p="http://schemas.openxmlformats.org/presentationml/2006/main">
+  <p:cSld>
+    <p:spTree>
+      <p:nvGrpSpPr>
+        <p:cNvPr id="1" name=""/>
+        <p:cNvGrpSpPr/>
+        <p:nvPr/>
+      </p:nvGrpSpPr>
+      <p:grpSpPr>
+        <a:xfrm>
+          <a:off x="0" y="0"/>
+          <a:ext cx="0" cy="0"/>
+          <a:chOff x="0" y="0"/>
+          <a:chExt cx="0" cy="0"/>
+        </a:xfrm>
+      </p:grpSpPr>
+      <p:sp>
+        <p:nvSpPr>
+          <p:cNvPr id="2" name="Slide Image Placeholder 1"/>
+          <p:cNvSpPr>
+            <a:spLocks noGrp="1" noRot="1" noChangeAspect="1"/>
+          </p:cNvSpPr>
+          <p:nvPr>
+            <p:ph type="sldImg"/>
+          </p:nvPr>
+        </p:nvSpPr>
+        <p:spPr/>
+      </p:sp>
+      <p:sp>
+        <p:nvSpPr>
+          <p:cNvPr id="3" name="Notes Placeholder 2"/>
+          <p:cNvSpPr>
+            <a:spLocks noGrp="1"/>
+          </p:cNvSpPr>
+          <p:nvPr>
+            <p:ph type="body" idx="1"/>
+          </p:nvPr>
+        </p:nvSpPr>
+        <p:spPr/>
+        <p:txBody>
+          <a:bodyPr/>
+          <a:lstStyle/>
+          <a:p>
+            <a:r>
+              <a:rPr lang="en-US" dirty="0">
+                <a:latin typeface="Roboto" panose="02000000000000000000" pitchFamily="2" charset="0"/>
+                <a:ea typeface="Roboto" panose="02000000000000000000" pitchFamily="2" charset="0"/>
+                <a:cs typeface="Roboto" panose="02000000000000000000" pitchFamily="2" charset="0"/>
+              </a:rPr>
+              <a:t>- Findings vs Hypothesis?</a:t>
+            </a:r>
+          </a:p>
+          <a:p>
+            <a:r>
+              <a:rPr lang="en-US" dirty="0">
+                <a:latin typeface="Roboto" panose="02000000000000000000" pitchFamily="2" charset="0"/>
+                <a:ea typeface="Roboto" panose="02000000000000000000" pitchFamily="2" charset="0"/>
+                <a:cs typeface="Roboto" panose="02000000000000000000" pitchFamily="2" charset="0"/>
+              </a:rPr>
+              <a:t>- Accuracy?</a:t>
+            </a:r>
+          </a:p>
+          <a:p>
+            <a:r>
+              <a:rPr lang="en-US" dirty="0">
+                <a:latin typeface="Roboto" panose="02000000000000000000" pitchFamily="2" charset="0"/>
+                <a:ea typeface="Roboto" panose="02000000000000000000" pitchFamily="2" charset="0"/>
+                <a:cs typeface="Roboto" panose="02000000000000000000" pitchFamily="2" charset="0"/>
+              </a:rPr>
+              <a:t>- Relevant?</a:t>
+            </a:r>
+          </a:p>
+          <a:p>
+            <a:r>
+              <a:rPr lang="en-US" dirty="0">
+                <a:latin typeface="Roboto" panose="02000000000000000000" pitchFamily="2" charset="0"/>
+                <a:ea typeface="Roboto" panose="02000000000000000000" pitchFamily="2" charset="0"/>
+                <a:cs typeface="Roboto" panose="02000000000000000000" pitchFamily="2" charset="0"/>
+              </a:rPr>
+              <a:t>- How can data be used?</a:t>
+            </a:r>
+          </a:p>
+          <a:p>
+            <a:r>
+              <a:rPr lang="en-US" dirty="0">
+                <a:latin typeface="Roboto" panose="02000000000000000000" pitchFamily="2" charset="0"/>
+                <a:ea typeface="Roboto" panose="02000000000000000000" pitchFamily="2" charset="0"/>
+                <a:cs typeface="Roboto" panose="02000000000000000000" pitchFamily="2" charset="0"/>
+              </a:rPr>
+              <a:t>- What was learned?</a:t>
+            </a:r>
+          </a:p>
+          <a:p>
+            <a:endParaRPr lang="en-US" dirty="0"/>
+          </a:p>
+        </p:txBody>
+      </p:sp>
+      <p:sp>
+        <p:nvSpPr>
+          <p:cNvPr id="4" name="Slide Number Placeholder 3"/>
+          <p:cNvSpPr>
+            <a:spLocks noGrp="1"/>
+          </p:cNvSpPr>
+          <p:nvPr>
+            <p:ph type="sldNum" sz="quarter" idx="5"/>
+          </p:nvPr>
+        </p:nvSpPr>
+        <p:spPr/>
+        <p:txBody>
+          <a:bodyPr/>
+          <a:lstStyle/>
+          <a:p>
+            <a:fld id="{77542409-6A04-4DC6-AC3A-D3758287A8F2}" type="slidenum">
+              <a:rPr lang="en-US" smtClean="0"/>
+              <a:t>15</a:t>
+            </a:fld>
+            <a:endParaRPr lang="en-US"/>
+          </a:p>
+        </p:txBody>
+      </p:sp>
+    </p:spTree>
+    <p:extLst>
+      <p:ext uri="{BB962C8B-B14F-4D97-AF65-F5344CB8AC3E}">
+        <p14:creationId xmlns:p14="http://schemas.microsoft.com/office/powerpoint/2010/main" val="4236467963"/>
+      </p:ext>
+    </p:extLst>
+  </p:cSld>
+  <p:clrMapOvr>
+    <a:masterClrMapping/>
+  </p:clrMapOvr>
+</p:notes>
+</file>
+
+<file path=ppt/notesSlides/notesSlide8.xml><?xml version="1.0" encoding="utf-8"?>
+<p:notes xmlns:a="http://schemas.openxmlformats.org/drawingml/2006/main" xmlns:r="http://schemas.openxmlformats.org/officeDocument/2006/relationships" xmlns:p="http://schemas.openxmlformats.org/presentationml/2006/main">
+  <p:cSld>
+    <p:spTree>
+      <p:nvGrpSpPr>
+        <p:cNvPr id="1" name=""/>
+        <p:cNvGrpSpPr/>
+        <p:nvPr/>
+      </p:nvGrpSpPr>
+      <p:grpSpPr>
+        <a:xfrm>
+          <a:off x="0" y="0"/>
+          <a:ext cx="0" cy="0"/>
+          <a:chOff x="0" y="0"/>
+          <a:chExt cx="0" cy="0"/>
+        </a:xfrm>
+      </p:grpSpPr>
+      <p:sp>
+        <p:nvSpPr>
+          <p:cNvPr id="2" name="Slide Image Placeholder 1"/>
+          <p:cNvSpPr>
+            <a:spLocks noGrp="1" noRot="1" noChangeAspect="1"/>
+          </p:cNvSpPr>
+          <p:nvPr>
+            <p:ph type="sldImg"/>
+          </p:nvPr>
+        </p:nvSpPr>
+        <p:spPr/>
+      </p:sp>
+      <p:sp>
+        <p:nvSpPr>
+          <p:cNvPr id="3" name="Notes Placeholder 2"/>
+          <p:cNvSpPr>
+            <a:spLocks noGrp="1"/>
+          </p:cNvSpPr>
+          <p:nvPr>
+            <p:ph type="body" idx="1"/>
+          </p:nvPr>
+        </p:nvSpPr>
+        <p:spPr/>
+        <p:txBody>
+          <a:bodyPr/>
+          <a:lstStyle/>
+          <a:p>
             <a:endParaRPr lang="en-US"/>
           </a:p>
         </p:txBody>
@@ -1277,7 +1566,7 @@
           <a:p>
             <a:fld id="{77542409-6A04-4DC6-AC3A-D3758287A8F2}" type="slidenum">
               <a:rPr lang="en-US" smtClean="0"/>
-              <a:t>15</a:t>
+              <a:t>16</a:t>
             </a:fld>
             <a:endParaRPr lang="en-US"/>
           </a:p>
@@ -4759,7 +5048,7 @@
           <a:p>
             <a:r>
               <a:rPr lang="en-US" dirty="0"/>
-              <a:t>Annual Death Rate</a:t>
+              <a:t>Life Expectancy at Birth</a:t>
             </a:r>
           </a:p>
         </p:txBody>
@@ -4789,10 +5078,10 @@
       </p:sp>
       <p:pic>
         <p:nvPicPr>
-          <p:cNvPr id="6" name="Picture 5" descr="Chart, scatter chart&#10;&#10;Description automatically generated">
+          <p:cNvPr id="12" name="Picture 11" descr="Chart, scatter chart&#10;&#10;Description automatically generated">
             <a:extLst>
               <a:ext uri="{FF2B5EF4-FFF2-40B4-BE49-F238E27FC236}">
-                <a16:creationId xmlns:a16="http://schemas.microsoft.com/office/drawing/2014/main" id="{534592AE-C8D2-18D1-112D-6744792AD7B1}"/>
+                <a16:creationId xmlns:a16="http://schemas.microsoft.com/office/drawing/2014/main" id="{A6479FE1-57F8-FD61-3928-3F3B3B143BAB}"/>
               </a:ext>
             </a:extLst>
           </p:cNvPr>
@@ -4802,7 +5091,7 @@
           <p:nvPr/>
         </p:nvPicPr>
         <p:blipFill>
-          <a:blip r:embed="rId3">
+          <a:blip r:embed="rId2">
             <a:extLst>
               <a:ext uri="{28A0092B-C50C-407E-A947-70E740481C1C}">
                 <a14:useLocalDpi xmlns:a14="http://schemas.microsoft.com/office/drawing/2010/main" val="0"/>
@@ -4815,8 +5104,8 @@
         </p:blipFill>
         <p:spPr>
           <a:xfrm>
-            <a:off x="5142764" y="1947672"/>
-            <a:ext cx="5639211" cy="4289461"/>
+            <a:off x="5138928" y="1947672"/>
+            <a:ext cx="5852172" cy="4389129"/>
           </a:xfrm>
           <a:prstGeom prst="rect">
             <a:avLst/>
@@ -4833,7 +5122,7 @@
           <p:cNvPr id="4" name="Content Placeholder 7">
             <a:extLst>
               <a:ext uri="{FF2B5EF4-FFF2-40B4-BE49-F238E27FC236}">
-                <a16:creationId xmlns:a16="http://schemas.microsoft.com/office/drawing/2014/main" id="{FB79C701-8B17-F6E3-37AE-E0095BCB0AE2}"/>
+                <a16:creationId xmlns:a16="http://schemas.microsoft.com/office/drawing/2014/main" id="{B5EFDB60-F9FD-1B6C-D562-293427664999}"/>
               </a:ext>
             </a:extLst>
           </p:cNvPr>
@@ -4845,7 +5134,7 @@
         <p:spPr>
           <a:xfrm>
             <a:off x="1261872" y="1947672"/>
-            <a:ext cx="3563522" cy="4229297"/>
+            <a:ext cx="3756442" cy="4229297"/>
           </a:xfrm>
           <a:prstGeom prst="rect">
             <a:avLst/>
@@ -4853,7 +5142,7 @@
         </p:spPr>
         <p:txBody>
           <a:bodyPr vert="horz" lIns="91440" tIns="45720" rIns="91440" bIns="45720" rtlCol="0">
-            <a:normAutofit/>
+            <a:normAutofit fontScale="62500" lnSpcReduction="20000"/>
           </a:bodyPr>
           <a:lstStyle>
             <a:lvl1pPr marL="210312" indent="-210312" algn="l" defTabSz="914400" rtl="0" eaLnBrk="1" latinLnBrk="0" hangingPunct="1">
@@ -5028,142 +5317,226 @@
               <a:buNone/>
             </a:pPr>
             <a:r>
-              <a:rPr lang="en-US" sz="2000" b="1" i="1" u="sng" dirty="0">
+              <a:rPr lang="en-US" sz="2600" b="1" i="1" u="sng" dirty="0">
                 <a:latin typeface="Roboto" panose="02000000000000000000" pitchFamily="2" charset="0"/>
                 <a:ea typeface="Roboto" panose="02000000000000000000" pitchFamily="2" charset="0"/>
                 <a:cs typeface="Roboto" panose="02000000000000000000" pitchFamily="2" charset="0"/>
               </a:rPr>
-              <a:t>Q: Question?</a:t>
-            </a:r>
-            <a:endParaRPr lang="en-US" sz="1800" u="sng" dirty="0">
-              <a:latin typeface="Roboto" panose="02000000000000000000" pitchFamily="2" charset="0"/>
-              <a:ea typeface="Roboto" panose="02000000000000000000" pitchFamily="2" charset="0"/>
-              <a:cs typeface="Roboto" panose="02000000000000000000" pitchFamily="2" charset="0"/>
-            </a:endParaRPr>
-          </a:p>
-          <a:p>
-            <a:pPr>
+              <a:t>Q: Which countries have the highest and lowest life expectancy?</a:t>
+            </a:r>
+          </a:p>
+          <a:p>
+            <a:pPr marL="0" indent="0">
               <a:lnSpc>
                 <a:spcPct val="150000"/>
               </a:lnSpc>
+              <a:buFont typeface="Arial" panose="020B0604020202020204" pitchFamily="34" charset="0"/>
+              <a:buNone/>
             </a:pPr>
             <a:r>
-              <a:rPr lang="en-US" sz="1700" dirty="0">
+              <a:rPr lang="en-US" sz="2300" b="1" dirty="0">
                 <a:latin typeface="Roboto" panose="02000000000000000000" pitchFamily="2" charset="0"/>
                 <a:ea typeface="Roboto" panose="02000000000000000000" pitchFamily="2" charset="0"/>
                 <a:cs typeface="Roboto" panose="02000000000000000000" pitchFamily="2" charset="0"/>
               </a:rPr>
-              <a:t>Mean = 2.52 million</a:t>
-            </a:r>
-          </a:p>
-          <a:p>
-            <a:pPr>
+              <a:t>Top 3: </a:t>
+            </a:r>
+            <a:r>
+              <a:rPr lang="en-US" sz="2300" dirty="0">
+                <a:latin typeface="Roboto" panose="02000000000000000000" pitchFamily="2" charset="0"/>
+                <a:ea typeface="Roboto" panose="02000000000000000000" pitchFamily="2" charset="0"/>
+                <a:cs typeface="Roboto" panose="02000000000000000000" pitchFamily="2" charset="0"/>
+              </a:rPr>
+              <a:t>Australia, Israel, and Japan</a:t>
+            </a:r>
+          </a:p>
+          <a:p>
+            <a:pPr marL="0" indent="0">
               <a:lnSpc>
                 <a:spcPct val="150000"/>
               </a:lnSpc>
+              <a:buFont typeface="Arial" panose="020B0604020202020204" pitchFamily="34" charset="0"/>
+              <a:buNone/>
             </a:pPr>
             <a:r>
-              <a:rPr lang="en-US" sz="1700" dirty="0">
+              <a:rPr lang="en-US" sz="2300" b="1" dirty="0">
                 <a:latin typeface="Roboto" panose="02000000000000000000" pitchFamily="2" charset="0"/>
                 <a:ea typeface="Roboto" panose="02000000000000000000" pitchFamily="2" charset="0"/>
                 <a:cs typeface="Roboto" panose="02000000000000000000" pitchFamily="2" charset="0"/>
               </a:rPr>
-              <a:t>Min = 3.91 million</a:t>
+              <a:t>Bottom 3: </a:t>
+            </a:r>
+            <a:r>
+              <a:rPr lang="en-US" sz="2300" dirty="0">
+                <a:latin typeface="Roboto" panose="02000000000000000000" pitchFamily="2" charset="0"/>
+                <a:ea typeface="Roboto" panose="02000000000000000000" pitchFamily="2" charset="0"/>
+                <a:cs typeface="Roboto" panose="02000000000000000000" pitchFamily="2" charset="0"/>
+              </a:rPr>
+              <a:t>India, Russia, South Africa</a:t>
             </a:r>
           </a:p>
           <a:p>
             <a:pPr>
               <a:lnSpc>
-                <a:spcPct val="150000"/>
+                <a:spcPct val="160000"/>
               </a:lnSpc>
             </a:pPr>
             <a:r>
-              <a:rPr lang="en-US" sz="1700" dirty="0">
+              <a:rPr lang="en-US" sz="2300" dirty="0">
                 <a:latin typeface="Roboto" panose="02000000000000000000" pitchFamily="2" charset="0"/>
                 <a:ea typeface="Roboto" panose="02000000000000000000" pitchFamily="2" charset="0"/>
                 <a:cs typeface="Roboto" panose="02000000000000000000" pitchFamily="2" charset="0"/>
               </a:rPr>
-              <a:t>Max = 9.98 million</a:t>
+              <a:t>Mean = 76.44 years</a:t>
             </a:r>
           </a:p>
           <a:p>
             <a:pPr>
               <a:lnSpc>
-                <a:spcPct val="150000"/>
+                <a:spcPct val="160000"/>
               </a:lnSpc>
             </a:pPr>
             <a:r>
-              <a:rPr lang="en-US" sz="1700" dirty="0">
+              <a:rPr lang="en-US" sz="2300" dirty="0">
                 <a:latin typeface="Roboto" panose="02000000000000000000" pitchFamily="2" charset="0"/>
                 <a:ea typeface="Roboto" panose="02000000000000000000" pitchFamily="2" charset="0"/>
                 <a:cs typeface="Roboto" panose="02000000000000000000" pitchFamily="2" charset="0"/>
               </a:rPr>
-              <a:t>Lower Quartile= 5.41 million</a:t>
+              <a:t>Min = 58.90 years</a:t>
             </a:r>
           </a:p>
           <a:p>
             <a:pPr>
               <a:lnSpc>
-                <a:spcPct val="150000"/>
+                <a:spcPct val="160000"/>
               </a:lnSpc>
             </a:pPr>
             <a:r>
-              <a:rPr lang="en-US" sz="1700" dirty="0">
+              <a:rPr lang="en-US" sz="2300" dirty="0">
                 <a:latin typeface="Roboto" panose="02000000000000000000" pitchFamily="2" charset="0"/>
                 <a:ea typeface="Roboto" panose="02000000000000000000" pitchFamily="2" charset="0"/>
                 <a:cs typeface="Roboto" panose="02000000000000000000" pitchFamily="2" charset="0"/>
               </a:rPr>
-              <a:t>Mid-Quartile = 1.28 million</a:t>
+              <a:t>Max = 84.30 years</a:t>
             </a:r>
           </a:p>
           <a:p>
             <a:pPr>
               <a:lnSpc>
-                <a:spcPct val="150000"/>
+                <a:spcPct val="160000"/>
               </a:lnSpc>
             </a:pPr>
             <a:r>
-              <a:rPr lang="en-US" sz="1700" dirty="0">
+              <a:rPr lang="en-US" sz="2300" dirty="0">
                 <a:latin typeface="Roboto" panose="02000000000000000000" pitchFamily="2" charset="0"/>
                 <a:ea typeface="Roboto" panose="02000000000000000000" pitchFamily="2" charset="0"/>
                 <a:cs typeface="Roboto" panose="02000000000000000000" pitchFamily="2" charset="0"/>
               </a:rPr>
-              <a:t>Upper Quartile = 2.53 million</a:t>
-            </a:r>
-          </a:p>
-          <a:p>
-            <a:endParaRPr lang="en-US" sz="1800" dirty="0">
-              <a:latin typeface="Roboto" panose="02000000000000000000" pitchFamily="2" charset="0"/>
-              <a:ea typeface="Roboto" panose="02000000000000000000" pitchFamily="2" charset="0"/>
-              <a:cs typeface="Roboto" panose="02000000000000000000" pitchFamily="2" charset="0"/>
-            </a:endParaRPr>
-          </a:p>
-          <a:p>
-            <a:endParaRPr lang="en-US" sz="1800" dirty="0">
-              <a:latin typeface="Roboto" panose="02000000000000000000" pitchFamily="2" charset="0"/>
-              <a:ea typeface="Roboto" panose="02000000000000000000" pitchFamily="2" charset="0"/>
-              <a:cs typeface="Roboto" panose="02000000000000000000" pitchFamily="2" charset="0"/>
-            </a:endParaRPr>
+              <a:t>Lower Quartile= 71.72 years</a:t>
+            </a:r>
+          </a:p>
+          <a:p>
+            <a:pPr>
+              <a:lnSpc>
+                <a:spcPct val="160000"/>
+              </a:lnSpc>
+            </a:pPr>
+            <a:r>
+              <a:rPr lang="en-US" sz="2300" dirty="0">
+                <a:latin typeface="Roboto" panose="02000000000000000000" pitchFamily="2" charset="0"/>
+                <a:ea typeface="Roboto" panose="02000000000000000000" pitchFamily="2" charset="0"/>
+                <a:cs typeface="Roboto" panose="02000000000000000000" pitchFamily="2" charset="0"/>
+              </a:rPr>
+              <a:t>Mid-Quartile = 78.90 years</a:t>
+            </a:r>
+          </a:p>
+          <a:p>
+            <a:pPr>
+              <a:lnSpc>
+                <a:spcPct val="160000"/>
+              </a:lnSpc>
+            </a:pPr>
+            <a:r>
+              <a:rPr lang="en-US" sz="2300" dirty="0">
+                <a:latin typeface="Roboto" panose="02000000000000000000" pitchFamily="2" charset="0"/>
+                <a:ea typeface="Roboto" panose="02000000000000000000" pitchFamily="2" charset="0"/>
+                <a:cs typeface="Roboto" panose="02000000000000000000" pitchFamily="2" charset="0"/>
+              </a:rPr>
+              <a:t>Upper Quartile = 82.10 years</a:t>
+            </a:r>
+          </a:p>
+        </p:txBody>
+      </p:sp>
+      <p:sp>
+        <p:nvSpPr>
+          <p:cNvPr id="8" name="TextBox 7">
+            <a:extLst>
+              <a:ext uri="{FF2B5EF4-FFF2-40B4-BE49-F238E27FC236}">
+                <a16:creationId xmlns:a16="http://schemas.microsoft.com/office/drawing/2014/main" id="{EFA194C9-7D0A-A487-C932-2B8E9CB0DF67}"/>
+              </a:ext>
+            </a:extLst>
+          </p:cNvPr>
+          <p:cNvSpPr txBox="1"/>
+          <p:nvPr/>
+        </p:nvSpPr>
+        <p:spPr>
+          <a:xfrm>
+            <a:off x="1548668" y="6600564"/>
+            <a:ext cx="10643332" cy="265009"/>
+          </a:xfrm>
+          <a:prstGeom prst="rect">
+            <a:avLst/>
+          </a:prstGeom>
+          <a:noFill/>
+        </p:spPr>
+        <p:txBody>
+          <a:bodyPr wrap="square" rtlCol="0">
+            <a:spAutoFit/>
+          </a:bodyPr>
+          <a:lstStyle/>
+          <a:p>
+            <a:pPr marL="0" marR="0">
+              <a:lnSpc>
+                <a:spcPct val="107000"/>
+              </a:lnSpc>
+              <a:spcBef>
+                <a:spcPts val="0"/>
+              </a:spcBef>
+              <a:spcAft>
+                <a:spcPts val="800"/>
+              </a:spcAft>
+            </a:pPr>
+            <a:r>
+              <a:rPr lang="en-US" sz="1100" i="1" dirty="0">
+                <a:solidFill>
+                  <a:srgbClr val="202124"/>
+                </a:solidFill>
+                <a:effectLst/>
+                <a:latin typeface="Roboto" panose="02000000000000000000" pitchFamily="2" charset="0"/>
+              </a:rPr>
+              <a:t>Source: https://ourworldindata.org/life-expectancy</a:t>
+            </a:r>
+            <a:endParaRPr lang="en-US" sz="1100" i="1" dirty="0"/>
           </a:p>
         </p:txBody>
       </p:sp>
     </p:spTree>
     <p:extLst>
       <p:ext uri="{BB962C8B-B14F-4D97-AF65-F5344CB8AC3E}">
-        <p14:creationId xmlns:p14="http://schemas.microsoft.com/office/powerpoint/2010/main" val="839273978"/>
+        <p14:creationId xmlns:p14="http://schemas.microsoft.com/office/powerpoint/2010/main" val="3662836695"/>
       </p:ext>
     </p:extLst>
   </p:cSld>
   <p:clrMapOvr>
     <a:masterClrMapping/>
   </p:clrMapOvr>
-  <mc:AlternateContent xmlns:mc="http://schemas.openxmlformats.org/markup-compatibility/2006" xmlns:p14="http://schemas.microsoft.com/office/powerpoint/2010/main">
-    <mc:Choice Requires="p14">
+  <mc:AlternateContent xmlns:mc="http://schemas.openxmlformats.org/markup-compatibility/2006">
+    <mc:Choice xmlns:p14="http://schemas.microsoft.com/office/powerpoint/2010/main" Requires="p14">
       <p:transition spd="med" p14:dur="700">
         <p:fade/>
       </p:transition>
     </mc:Choice>
-    <mc:Fallback xmlns="">
+    <mc:Fallback>
       <p:transition spd="med">
         <p:fade/>
       </p:transition>
@@ -5206,7 +5579,7 @@
           <a:p>
             <a:r>
               <a:rPr lang="en-US" dirty="0"/>
-              <a:t>Infant Mortality Rate</a:t>
+              <a:t>Annual Death Rate</a:t>
             </a:r>
           </a:p>
         </p:txBody>
@@ -5229,6 +5602,658 @@
             <a:fld id="{9CD8D479-8942-46E8-A226-A4E01F7A105C}" type="slidenum">
               <a:rPr lang="en-US" smtClean="0"/>
               <a:t>11</a:t>
+            </a:fld>
+            <a:endParaRPr lang="en-US"/>
+          </a:p>
+        </p:txBody>
+      </p:sp>
+      <p:pic>
+        <p:nvPicPr>
+          <p:cNvPr id="6" name="Picture 5" descr="Chart, scatter chart&#10;&#10;Description automatically generated">
+            <a:extLst>
+              <a:ext uri="{FF2B5EF4-FFF2-40B4-BE49-F238E27FC236}">
+                <a16:creationId xmlns:a16="http://schemas.microsoft.com/office/drawing/2014/main" id="{534592AE-C8D2-18D1-112D-6744792AD7B1}"/>
+              </a:ext>
+            </a:extLst>
+          </p:cNvPr>
+          <p:cNvPicPr>
+            <a:picLocks noChangeAspect="1"/>
+          </p:cNvPicPr>
+          <p:nvPr/>
+        </p:nvPicPr>
+        <p:blipFill>
+          <a:blip r:embed="rId3">
+            <a:extLst>
+              <a:ext uri="{28A0092B-C50C-407E-A947-70E740481C1C}">
+                <a14:useLocalDpi xmlns:a14="http://schemas.microsoft.com/office/drawing/2010/main" val="0"/>
+              </a:ext>
+            </a:extLst>
+          </a:blip>
+          <a:stretch>
+            <a:fillRect/>
+          </a:stretch>
+        </p:blipFill>
+        <p:spPr>
+          <a:xfrm>
+            <a:off x="5142764" y="1947672"/>
+            <a:ext cx="5639211" cy="4289461"/>
+          </a:xfrm>
+          <a:prstGeom prst="rect">
+            <a:avLst/>
+          </a:prstGeom>
+          <a:ln w="12700">
+            <a:solidFill>
+              <a:schemeClr val="tx2"/>
+            </a:solidFill>
+          </a:ln>
+        </p:spPr>
+      </p:pic>
+      <p:sp>
+        <p:nvSpPr>
+          <p:cNvPr id="4" name="Content Placeholder 7">
+            <a:extLst>
+              <a:ext uri="{FF2B5EF4-FFF2-40B4-BE49-F238E27FC236}">
+                <a16:creationId xmlns:a16="http://schemas.microsoft.com/office/drawing/2014/main" id="{FB79C701-8B17-F6E3-37AE-E0095BCB0AE2}"/>
+              </a:ext>
+            </a:extLst>
+          </p:cNvPr>
+          <p:cNvSpPr txBox="1">
+            <a:spLocks/>
+          </p:cNvSpPr>
+          <p:nvPr/>
+        </p:nvSpPr>
+        <p:spPr>
+          <a:xfrm>
+            <a:off x="1261871" y="1947672"/>
+            <a:ext cx="3712899" cy="4910328"/>
+          </a:xfrm>
+          <a:prstGeom prst="rect">
+            <a:avLst/>
+          </a:prstGeom>
+        </p:spPr>
+        <p:txBody>
+          <a:bodyPr vert="horz" lIns="91440" tIns="45720" rIns="91440" bIns="45720" rtlCol="0">
+            <a:normAutofit fontScale="47500" lnSpcReduction="20000"/>
+          </a:bodyPr>
+          <a:lstStyle>
+            <a:lvl1pPr marL="210312" indent="-210312" algn="l" defTabSz="914400" rtl="0" eaLnBrk="1" latinLnBrk="0" hangingPunct="1">
+              <a:lnSpc>
+                <a:spcPct val="90000"/>
+              </a:lnSpc>
+              <a:spcBef>
+                <a:spcPts val="1100"/>
+              </a:spcBef>
+              <a:buFont typeface="Arial" panose="020B0604020202020204" pitchFamily="34" charset="0"/>
+              <a:buChar char="•"/>
+              <a:defRPr sz="2200" kern="1200">
+                <a:solidFill>
+                  <a:schemeClr val="tx1"/>
+                </a:solidFill>
+                <a:latin typeface="+mn-lt"/>
+                <a:ea typeface="+mn-ea"/>
+                <a:cs typeface="+mn-cs"/>
+              </a:defRPr>
+            </a:lvl1pPr>
+            <a:lvl2pPr marL="438912" indent="-155448" algn="l" defTabSz="914400" rtl="0" eaLnBrk="1" latinLnBrk="0" hangingPunct="1">
+              <a:lnSpc>
+                <a:spcPct val="90000"/>
+              </a:lnSpc>
+              <a:spcBef>
+                <a:spcPts val="400"/>
+              </a:spcBef>
+              <a:buFont typeface="Arial" panose="020B0604020202020204" pitchFamily="34" charset="0"/>
+              <a:buChar char="•"/>
+              <a:defRPr sz="1800" kern="1200">
+                <a:solidFill>
+                  <a:schemeClr val="tx1"/>
+                </a:solidFill>
+                <a:latin typeface="+mn-lt"/>
+                <a:ea typeface="+mn-ea"/>
+                <a:cs typeface="+mn-cs"/>
+              </a:defRPr>
+            </a:lvl2pPr>
+            <a:lvl3pPr marL="676656" indent="-155448" algn="l" defTabSz="914400" rtl="0" eaLnBrk="1" latinLnBrk="0" hangingPunct="1">
+              <a:lnSpc>
+                <a:spcPct val="90000"/>
+              </a:lnSpc>
+              <a:spcBef>
+                <a:spcPts val="400"/>
+              </a:spcBef>
+              <a:buFont typeface="Arial" panose="020B0604020202020204" pitchFamily="34" charset="0"/>
+              <a:buChar char="•"/>
+              <a:defRPr sz="1600" kern="1200">
+                <a:solidFill>
+                  <a:schemeClr val="tx1"/>
+                </a:solidFill>
+                <a:latin typeface="+mn-lt"/>
+                <a:ea typeface="+mn-ea"/>
+                <a:cs typeface="+mn-cs"/>
+              </a:defRPr>
+            </a:lvl3pPr>
+            <a:lvl4pPr marL="905256" indent="-155448" algn="l" defTabSz="914400" rtl="0" eaLnBrk="1" latinLnBrk="0" hangingPunct="1">
+              <a:lnSpc>
+                <a:spcPct val="90000"/>
+              </a:lnSpc>
+              <a:spcBef>
+                <a:spcPts val="400"/>
+              </a:spcBef>
+              <a:buFont typeface="Arial" panose="020B0604020202020204" pitchFamily="34" charset="0"/>
+              <a:buChar char="•"/>
+              <a:defRPr sz="1600" kern="1200">
+                <a:solidFill>
+                  <a:schemeClr val="tx1"/>
+                </a:solidFill>
+                <a:latin typeface="+mn-lt"/>
+                <a:ea typeface="+mn-ea"/>
+                <a:cs typeface="+mn-cs"/>
+              </a:defRPr>
+            </a:lvl4pPr>
+            <a:lvl5pPr marL="1133856" indent="-155448" algn="l" defTabSz="914400" rtl="0" eaLnBrk="1" latinLnBrk="0" hangingPunct="1">
+              <a:lnSpc>
+                <a:spcPct val="90000"/>
+              </a:lnSpc>
+              <a:spcBef>
+                <a:spcPts val="400"/>
+              </a:spcBef>
+              <a:buFont typeface="Arial" panose="020B0604020202020204" pitchFamily="34" charset="0"/>
+              <a:buChar char="•"/>
+              <a:defRPr sz="1600" kern="1200">
+                <a:solidFill>
+                  <a:schemeClr val="tx1"/>
+                </a:solidFill>
+                <a:latin typeface="+mn-lt"/>
+                <a:ea typeface="+mn-ea"/>
+                <a:cs typeface="+mn-cs"/>
+              </a:defRPr>
+            </a:lvl5pPr>
+            <a:lvl6pPr marL="1362456" indent="-155448" algn="l" defTabSz="914400" rtl="0" eaLnBrk="1" latinLnBrk="0" hangingPunct="1">
+              <a:lnSpc>
+                <a:spcPct val="90000"/>
+              </a:lnSpc>
+              <a:spcBef>
+                <a:spcPts val="400"/>
+              </a:spcBef>
+              <a:buFont typeface="Arial" panose="020B0604020202020204" pitchFamily="34" charset="0"/>
+              <a:buChar char="•"/>
+              <a:defRPr sz="1600" kern="1200">
+                <a:solidFill>
+                  <a:schemeClr val="tx1"/>
+                </a:solidFill>
+                <a:latin typeface="+mn-lt"/>
+                <a:ea typeface="+mn-ea"/>
+                <a:cs typeface="+mn-cs"/>
+              </a:defRPr>
+            </a:lvl6pPr>
+            <a:lvl7pPr marL="1591056" indent="-155448" algn="l" defTabSz="914400" rtl="0" eaLnBrk="1" latinLnBrk="0" hangingPunct="1">
+              <a:lnSpc>
+                <a:spcPct val="90000"/>
+              </a:lnSpc>
+              <a:spcBef>
+                <a:spcPts val="400"/>
+              </a:spcBef>
+              <a:buFont typeface="Arial" panose="020B0604020202020204" pitchFamily="34" charset="0"/>
+              <a:buChar char="•"/>
+              <a:defRPr sz="1600" kern="1200">
+                <a:solidFill>
+                  <a:schemeClr val="tx1"/>
+                </a:solidFill>
+                <a:latin typeface="+mn-lt"/>
+                <a:ea typeface="+mn-ea"/>
+                <a:cs typeface="+mn-cs"/>
+              </a:defRPr>
+            </a:lvl7pPr>
+            <a:lvl8pPr marL="1819656" indent="-155448" algn="l" defTabSz="914400" rtl="0" eaLnBrk="1" latinLnBrk="0" hangingPunct="1">
+              <a:lnSpc>
+                <a:spcPct val="90000"/>
+              </a:lnSpc>
+              <a:spcBef>
+                <a:spcPts val="400"/>
+              </a:spcBef>
+              <a:buFont typeface="Arial" panose="020B0604020202020204" pitchFamily="34" charset="0"/>
+              <a:buChar char="•"/>
+              <a:defRPr sz="1600" kern="1200">
+                <a:solidFill>
+                  <a:schemeClr val="tx1"/>
+                </a:solidFill>
+                <a:latin typeface="+mn-lt"/>
+                <a:ea typeface="+mn-ea"/>
+                <a:cs typeface="+mn-cs"/>
+              </a:defRPr>
+            </a:lvl8pPr>
+            <a:lvl9pPr marL="2048256" indent="-155448" algn="l" defTabSz="914400" rtl="0" eaLnBrk="1" latinLnBrk="0" hangingPunct="1">
+              <a:lnSpc>
+                <a:spcPct val="90000"/>
+              </a:lnSpc>
+              <a:spcBef>
+                <a:spcPts val="400"/>
+              </a:spcBef>
+              <a:buFont typeface="Arial" panose="020B0604020202020204" pitchFamily="34" charset="0"/>
+              <a:buChar char="•"/>
+              <a:defRPr sz="1600" kern="1200">
+                <a:solidFill>
+                  <a:schemeClr val="tx1"/>
+                </a:solidFill>
+                <a:latin typeface="+mn-lt"/>
+                <a:ea typeface="+mn-ea"/>
+                <a:cs typeface="+mn-cs"/>
+              </a:defRPr>
+            </a:lvl9pPr>
+          </a:lstStyle>
+          <a:p>
+            <a:pPr marL="0" indent="0">
+              <a:lnSpc>
+                <a:spcPct val="150000"/>
+              </a:lnSpc>
+              <a:buFont typeface="Arial" panose="020B0604020202020204" pitchFamily="34" charset="0"/>
+              <a:buNone/>
+            </a:pPr>
+            <a:r>
+              <a:rPr lang="en-US" sz="2900" b="1" i="1" u="sng" dirty="0">
+                <a:latin typeface="Roboto" panose="02000000000000000000" pitchFamily="2" charset="0"/>
+                <a:ea typeface="Roboto" panose="02000000000000000000" pitchFamily="2" charset="0"/>
+                <a:cs typeface="Roboto" panose="02000000000000000000" pitchFamily="2" charset="0"/>
+              </a:rPr>
+              <a:t>Q: What do the annual death rates for each country equate to?</a:t>
+            </a:r>
+          </a:p>
+          <a:p>
+            <a:pPr marL="0" indent="0">
+              <a:lnSpc>
+                <a:spcPct val="150000"/>
+              </a:lnSpc>
+              <a:buNone/>
+            </a:pPr>
+            <a:r>
+              <a:rPr lang="en-US" sz="2500" b="1" dirty="0">
+                <a:latin typeface="Roboto" panose="02000000000000000000" pitchFamily="2" charset="0"/>
+                <a:ea typeface="Roboto" panose="02000000000000000000" pitchFamily="2" charset="0"/>
+                <a:cs typeface="Roboto" panose="02000000000000000000" pitchFamily="2" charset="0"/>
+              </a:rPr>
+              <a:t>China &amp; India </a:t>
+            </a:r>
+            <a:r>
+              <a:rPr lang="en-US" sz="2500" dirty="0">
+                <a:latin typeface="Roboto" panose="02000000000000000000" pitchFamily="2" charset="0"/>
+                <a:ea typeface="Roboto" panose="02000000000000000000" pitchFamily="2" charset="0"/>
+                <a:cs typeface="Roboto" panose="02000000000000000000" pitchFamily="2" charset="0"/>
+              </a:rPr>
+              <a:t>have exceptionally higher annual death rates than the other 9 countries. </a:t>
+            </a:r>
+          </a:p>
+          <a:p>
+            <a:pPr marL="0" indent="0">
+              <a:lnSpc>
+                <a:spcPct val="150000"/>
+              </a:lnSpc>
+              <a:buNone/>
+            </a:pPr>
+            <a:r>
+              <a:rPr lang="en-US" sz="2500" dirty="0">
+                <a:latin typeface="Roboto" panose="02000000000000000000" pitchFamily="2" charset="0"/>
+                <a:ea typeface="Roboto" panose="02000000000000000000" pitchFamily="2" charset="0"/>
+                <a:cs typeface="Roboto" panose="02000000000000000000" pitchFamily="2" charset="0"/>
+              </a:rPr>
+              <a:t>These can be attributed to their respective </a:t>
+            </a:r>
+            <a:r>
+              <a:rPr lang="en-US" sz="2500" b="1" dirty="0">
+                <a:latin typeface="Roboto" panose="02000000000000000000" pitchFamily="2" charset="0"/>
+                <a:ea typeface="Roboto" panose="02000000000000000000" pitchFamily="2" charset="0"/>
+                <a:cs typeface="Roboto" panose="02000000000000000000" pitchFamily="2" charset="0"/>
+              </a:rPr>
+              <a:t>high population sizes </a:t>
+            </a:r>
+            <a:r>
+              <a:rPr lang="en-US" sz="2500" dirty="0">
+                <a:latin typeface="Roboto" panose="02000000000000000000" pitchFamily="2" charset="0"/>
+                <a:ea typeface="Roboto" panose="02000000000000000000" pitchFamily="2" charset="0"/>
+                <a:cs typeface="Roboto" panose="02000000000000000000" pitchFamily="2" charset="0"/>
+              </a:rPr>
+              <a:t>in comparison</a:t>
+            </a:r>
+            <a:r>
+              <a:rPr lang="en-US" sz="2500" b="1" dirty="0">
+                <a:latin typeface="Roboto" panose="02000000000000000000" pitchFamily="2" charset="0"/>
+                <a:ea typeface="Roboto" panose="02000000000000000000" pitchFamily="2" charset="0"/>
+                <a:cs typeface="Roboto" panose="02000000000000000000" pitchFamily="2" charset="0"/>
+              </a:rPr>
+              <a:t>, </a:t>
+            </a:r>
+            <a:r>
+              <a:rPr lang="en-US" sz="2500" b="1" i="1" dirty="0">
+                <a:latin typeface="Roboto" panose="02000000000000000000" pitchFamily="2" charset="0"/>
+                <a:ea typeface="Roboto" panose="02000000000000000000" pitchFamily="2" charset="0"/>
+                <a:cs typeface="Roboto" panose="02000000000000000000" pitchFamily="2" charset="0"/>
+              </a:rPr>
+              <a:t>India’s</a:t>
+            </a:r>
+            <a:r>
+              <a:rPr lang="en-US" sz="2500" dirty="0">
+                <a:latin typeface="Roboto" panose="02000000000000000000" pitchFamily="2" charset="0"/>
+                <a:ea typeface="Roboto" panose="02000000000000000000" pitchFamily="2" charset="0"/>
+                <a:cs typeface="Roboto" panose="02000000000000000000" pitchFamily="2" charset="0"/>
+              </a:rPr>
+              <a:t> </a:t>
+            </a:r>
+            <a:r>
+              <a:rPr lang="en-US" sz="2500" b="1" dirty="0">
+                <a:latin typeface="Roboto" panose="02000000000000000000" pitchFamily="2" charset="0"/>
+                <a:ea typeface="Roboto" panose="02000000000000000000" pitchFamily="2" charset="0"/>
+                <a:cs typeface="Roboto" panose="02000000000000000000" pitchFamily="2" charset="0"/>
+              </a:rPr>
+              <a:t>#1 spot </a:t>
+            </a:r>
+            <a:r>
+              <a:rPr lang="en-US" sz="2500" dirty="0">
+                <a:latin typeface="Roboto" panose="02000000000000000000" pitchFamily="2" charset="0"/>
+                <a:ea typeface="Roboto" panose="02000000000000000000" pitchFamily="2" charset="0"/>
+                <a:cs typeface="Roboto" panose="02000000000000000000" pitchFamily="2" charset="0"/>
+              </a:rPr>
+              <a:t>in </a:t>
+            </a:r>
+            <a:r>
+              <a:rPr lang="en-US" sz="2500" b="1" i="1" dirty="0">
+                <a:latin typeface="Roboto" panose="02000000000000000000" pitchFamily="2" charset="0"/>
+                <a:ea typeface="Roboto" panose="02000000000000000000" pitchFamily="2" charset="0"/>
+                <a:cs typeface="Roboto" panose="02000000000000000000" pitchFamily="2" charset="0"/>
+              </a:rPr>
+              <a:t>Avg. Outdoor Air Pollution Deaths </a:t>
+            </a:r>
+            <a:r>
+              <a:rPr lang="en-US" sz="2500" dirty="0">
+                <a:latin typeface="Roboto" panose="02000000000000000000" pitchFamily="2" charset="0"/>
+                <a:ea typeface="Roboto" panose="02000000000000000000" pitchFamily="2" charset="0"/>
+                <a:cs typeface="Roboto" panose="02000000000000000000" pitchFamily="2" charset="0"/>
+              </a:rPr>
+              <a:t>and</a:t>
+            </a:r>
+            <a:r>
+              <a:rPr lang="en-US" sz="2500" b="1" i="1" dirty="0">
+                <a:latin typeface="Roboto" panose="02000000000000000000" pitchFamily="2" charset="0"/>
+                <a:ea typeface="Roboto" panose="02000000000000000000" pitchFamily="2" charset="0"/>
+                <a:cs typeface="Roboto" panose="02000000000000000000" pitchFamily="2" charset="0"/>
+              </a:rPr>
+              <a:t> China’s</a:t>
+            </a:r>
+            <a:r>
+              <a:rPr lang="en-US" sz="2500" dirty="0">
+                <a:latin typeface="Roboto" panose="02000000000000000000" pitchFamily="2" charset="0"/>
+                <a:ea typeface="Roboto" panose="02000000000000000000" pitchFamily="2" charset="0"/>
+                <a:cs typeface="Roboto" panose="02000000000000000000" pitchFamily="2" charset="0"/>
+              </a:rPr>
+              <a:t> </a:t>
+            </a:r>
+            <a:r>
+              <a:rPr lang="en-US" sz="2500" b="1" dirty="0">
+                <a:latin typeface="Roboto" panose="02000000000000000000" pitchFamily="2" charset="0"/>
+                <a:ea typeface="Roboto" panose="02000000000000000000" pitchFamily="2" charset="0"/>
+                <a:cs typeface="Roboto" panose="02000000000000000000" pitchFamily="2" charset="0"/>
+              </a:rPr>
+              <a:t>#2 spot </a:t>
+            </a:r>
+            <a:r>
+              <a:rPr lang="en-US" sz="2500" dirty="0">
+                <a:latin typeface="Roboto" panose="02000000000000000000" pitchFamily="2" charset="0"/>
+                <a:ea typeface="Roboto" panose="02000000000000000000" pitchFamily="2" charset="0"/>
+                <a:cs typeface="Roboto" panose="02000000000000000000" pitchFamily="2" charset="0"/>
+              </a:rPr>
+              <a:t>in </a:t>
+            </a:r>
+            <a:r>
+              <a:rPr lang="en-US" sz="2500" b="1" i="1" dirty="0">
+                <a:latin typeface="Roboto" panose="02000000000000000000" pitchFamily="2" charset="0"/>
+                <a:ea typeface="Roboto" panose="02000000000000000000" pitchFamily="2" charset="0"/>
+                <a:cs typeface="Roboto" panose="02000000000000000000" pitchFamily="2" charset="0"/>
+              </a:rPr>
+              <a:t>Avg. Outdoor Air Pollution Deaths.</a:t>
+            </a:r>
+            <a:endParaRPr lang="en-US" sz="2500" u="sng" dirty="0">
+              <a:latin typeface="Roboto" panose="02000000000000000000" pitchFamily="2" charset="0"/>
+              <a:ea typeface="Roboto" panose="02000000000000000000" pitchFamily="2" charset="0"/>
+              <a:cs typeface="Roboto" panose="02000000000000000000" pitchFamily="2" charset="0"/>
+            </a:endParaRPr>
+          </a:p>
+          <a:p>
+            <a:pPr>
+              <a:lnSpc>
+                <a:spcPct val="150000"/>
+              </a:lnSpc>
+            </a:pPr>
+            <a:r>
+              <a:rPr lang="en-US" sz="2500" dirty="0">
+                <a:latin typeface="Roboto" panose="02000000000000000000" pitchFamily="2" charset="0"/>
+                <a:ea typeface="Roboto" panose="02000000000000000000" pitchFamily="2" charset="0"/>
+                <a:cs typeface="Roboto" panose="02000000000000000000" pitchFamily="2" charset="0"/>
+              </a:rPr>
+              <a:t>Mean = 2.52 million</a:t>
+            </a:r>
+          </a:p>
+          <a:p>
+            <a:pPr>
+              <a:lnSpc>
+                <a:spcPct val="150000"/>
+              </a:lnSpc>
+            </a:pPr>
+            <a:r>
+              <a:rPr lang="en-US" sz="2500" dirty="0">
+                <a:latin typeface="Roboto" panose="02000000000000000000" pitchFamily="2" charset="0"/>
+                <a:ea typeface="Roboto" panose="02000000000000000000" pitchFamily="2" charset="0"/>
+                <a:cs typeface="Roboto" panose="02000000000000000000" pitchFamily="2" charset="0"/>
+              </a:rPr>
+              <a:t>Min = 3.91 million</a:t>
+            </a:r>
+          </a:p>
+          <a:p>
+            <a:pPr>
+              <a:lnSpc>
+                <a:spcPct val="150000"/>
+              </a:lnSpc>
+            </a:pPr>
+            <a:r>
+              <a:rPr lang="en-US" sz="2500" dirty="0">
+                <a:latin typeface="Roboto" panose="02000000000000000000" pitchFamily="2" charset="0"/>
+                <a:ea typeface="Roboto" panose="02000000000000000000" pitchFamily="2" charset="0"/>
+                <a:cs typeface="Roboto" panose="02000000000000000000" pitchFamily="2" charset="0"/>
+              </a:rPr>
+              <a:t>Max = 9.98 million</a:t>
+            </a:r>
+          </a:p>
+          <a:p>
+            <a:pPr>
+              <a:lnSpc>
+                <a:spcPct val="150000"/>
+              </a:lnSpc>
+            </a:pPr>
+            <a:r>
+              <a:rPr lang="en-US" sz="2500" dirty="0">
+                <a:latin typeface="Roboto" panose="02000000000000000000" pitchFamily="2" charset="0"/>
+                <a:ea typeface="Roboto" panose="02000000000000000000" pitchFamily="2" charset="0"/>
+                <a:cs typeface="Roboto" panose="02000000000000000000" pitchFamily="2" charset="0"/>
+              </a:rPr>
+              <a:t>Lower Quartile= 5.41 million</a:t>
+            </a:r>
+          </a:p>
+          <a:p>
+            <a:pPr>
+              <a:lnSpc>
+                <a:spcPct val="150000"/>
+              </a:lnSpc>
+            </a:pPr>
+            <a:r>
+              <a:rPr lang="en-US" sz="2500" dirty="0">
+                <a:latin typeface="Roboto" panose="02000000000000000000" pitchFamily="2" charset="0"/>
+                <a:ea typeface="Roboto" panose="02000000000000000000" pitchFamily="2" charset="0"/>
+                <a:cs typeface="Roboto" panose="02000000000000000000" pitchFamily="2" charset="0"/>
+              </a:rPr>
+              <a:t>Mid-Quartile = 1.28 million</a:t>
+            </a:r>
+          </a:p>
+          <a:p>
+            <a:pPr>
+              <a:lnSpc>
+                <a:spcPct val="150000"/>
+              </a:lnSpc>
+            </a:pPr>
+            <a:r>
+              <a:rPr lang="en-US" sz="2500" dirty="0">
+                <a:latin typeface="Roboto" panose="02000000000000000000" pitchFamily="2" charset="0"/>
+                <a:ea typeface="Roboto" panose="02000000000000000000" pitchFamily="2" charset="0"/>
+                <a:cs typeface="Roboto" panose="02000000000000000000" pitchFamily="2" charset="0"/>
+              </a:rPr>
+              <a:t>Upper Quartile = 2.53 million</a:t>
+            </a:r>
+          </a:p>
+          <a:p>
+            <a:endParaRPr lang="en-US" sz="1800" dirty="0">
+              <a:latin typeface="Roboto" panose="02000000000000000000" pitchFamily="2" charset="0"/>
+              <a:ea typeface="Roboto" panose="02000000000000000000" pitchFamily="2" charset="0"/>
+              <a:cs typeface="Roboto" panose="02000000000000000000" pitchFamily="2" charset="0"/>
+            </a:endParaRPr>
+          </a:p>
+          <a:p>
+            <a:endParaRPr lang="en-US" sz="1800" dirty="0">
+              <a:latin typeface="Roboto" panose="02000000000000000000" pitchFamily="2" charset="0"/>
+              <a:ea typeface="Roboto" panose="02000000000000000000" pitchFamily="2" charset="0"/>
+              <a:cs typeface="Roboto" panose="02000000000000000000" pitchFamily="2" charset="0"/>
+            </a:endParaRPr>
+          </a:p>
+        </p:txBody>
+      </p:sp>
+      <p:sp>
+        <p:nvSpPr>
+          <p:cNvPr id="3" name="TextBox 2">
+            <a:extLst>
+              <a:ext uri="{FF2B5EF4-FFF2-40B4-BE49-F238E27FC236}">
+                <a16:creationId xmlns:a16="http://schemas.microsoft.com/office/drawing/2014/main" id="{7C6D74FB-F0AF-8081-7292-AD9AF3D589B8}"/>
+              </a:ext>
+            </a:extLst>
+          </p:cNvPr>
+          <p:cNvSpPr txBox="1"/>
+          <p:nvPr/>
+        </p:nvSpPr>
+        <p:spPr>
+          <a:xfrm>
+            <a:off x="1548668" y="6600564"/>
+            <a:ext cx="10643332" cy="265009"/>
+          </a:xfrm>
+          <a:prstGeom prst="rect">
+            <a:avLst/>
+          </a:prstGeom>
+          <a:noFill/>
+        </p:spPr>
+        <p:txBody>
+          <a:bodyPr wrap="square" rtlCol="0">
+            <a:spAutoFit/>
+          </a:bodyPr>
+          <a:lstStyle/>
+          <a:p>
+            <a:pPr marL="0" marR="0">
+              <a:lnSpc>
+                <a:spcPct val="107000"/>
+              </a:lnSpc>
+              <a:spcBef>
+                <a:spcPts val="0"/>
+              </a:spcBef>
+              <a:spcAft>
+                <a:spcPts val="800"/>
+              </a:spcAft>
+            </a:pPr>
+            <a:r>
+              <a:rPr lang="en-US" sz="1100" i="1" dirty="0">
+                <a:solidFill>
+                  <a:srgbClr val="202124"/>
+                </a:solidFill>
+                <a:effectLst/>
+                <a:latin typeface="Roboto" panose="02000000000000000000" pitchFamily="2" charset="0"/>
+              </a:rPr>
+              <a:t>Source: https://ourworldindata.org/life-expectancy</a:t>
+            </a:r>
+            <a:endParaRPr lang="en-US" sz="1100" i="1" dirty="0"/>
+          </a:p>
+        </p:txBody>
+      </p:sp>
+    </p:spTree>
+    <p:extLst>
+      <p:ext uri="{BB962C8B-B14F-4D97-AF65-F5344CB8AC3E}">
+        <p14:creationId xmlns:p14="http://schemas.microsoft.com/office/powerpoint/2010/main" val="839273978"/>
+      </p:ext>
+    </p:extLst>
+  </p:cSld>
+  <p:clrMapOvr>
+    <a:masterClrMapping/>
+  </p:clrMapOvr>
+  <mc:AlternateContent xmlns:mc="http://schemas.openxmlformats.org/markup-compatibility/2006" xmlns:p14="http://schemas.microsoft.com/office/powerpoint/2010/main">
+    <mc:Choice Requires="p14">
+      <p:transition spd="med" p14:dur="700">
+        <p:fade/>
+      </p:transition>
+    </mc:Choice>
+    <mc:Fallback xmlns="">
+      <p:transition spd="med">
+        <p:fade/>
+      </p:transition>
+    </mc:Fallback>
+  </mc:AlternateContent>
+</p:sld>
+</file>
+
+<file path=ppt/slides/slide12.xml><?xml version="1.0" encoding="utf-8"?>
+<p:sld xmlns:a="http://schemas.openxmlformats.org/drawingml/2006/main" xmlns:r="http://schemas.openxmlformats.org/officeDocument/2006/relationships" xmlns:p="http://schemas.openxmlformats.org/presentationml/2006/main">
+  <p:cSld>
+    <p:spTree>
+      <p:nvGrpSpPr>
+        <p:cNvPr id="1" name=""/>
+        <p:cNvGrpSpPr/>
+        <p:nvPr/>
+      </p:nvGrpSpPr>
+      <p:grpSpPr>
+        <a:xfrm>
+          <a:off x="0" y="0"/>
+          <a:ext cx="0" cy="0"/>
+          <a:chOff x="0" y="0"/>
+          <a:chExt cx="0" cy="0"/>
+        </a:xfrm>
+      </p:grpSpPr>
+      <p:sp>
+        <p:nvSpPr>
+          <p:cNvPr id="2" name="Title 1"/>
+          <p:cNvSpPr>
+            <a:spLocks noGrp="1"/>
+          </p:cNvSpPr>
+          <p:nvPr>
+            <p:ph type="title"/>
+          </p:nvPr>
+        </p:nvSpPr>
+        <p:spPr/>
+        <p:txBody>
+          <a:bodyPr/>
+          <a:lstStyle/>
+          <a:p>
+            <a:r>
+              <a:rPr lang="en-US" dirty="0"/>
+              <a:t>Infant Mortality Rate</a:t>
+            </a:r>
+          </a:p>
+        </p:txBody>
+      </p:sp>
+      <p:sp>
+        <p:nvSpPr>
+          <p:cNvPr id="5" name="Slide Number Placeholder 4"/>
+          <p:cNvSpPr>
+            <a:spLocks noGrp="1"/>
+          </p:cNvSpPr>
+          <p:nvPr>
+            <p:ph type="sldNum" sz="quarter" idx="12"/>
+          </p:nvPr>
+        </p:nvSpPr>
+        <p:spPr/>
+        <p:txBody>
+          <a:bodyPr/>
+          <a:lstStyle/>
+          <a:p>
+            <a:fld id="{9CD8D479-8942-46E8-A226-A4E01F7A105C}" type="slidenum">
+              <a:rPr lang="en-US" smtClean="0"/>
+              <a:t>12</a:t>
             </a:fld>
             <a:endParaRPr lang="en-US"/>
           </a:p>
@@ -5454,29 +6479,127 @@
               </a:lnSpc>
             </a:pPr>
             <a:r>
-              <a:rPr lang="en-US" sz="3500" i="1" dirty="0">
+              <a:rPr lang="en-US" sz="3700" b="1" dirty="0">
                 <a:latin typeface="Roboto" panose="02000000000000000000" pitchFamily="2" charset="0"/>
                 <a:ea typeface="Roboto" panose="02000000000000000000" pitchFamily="2" charset="0"/>
                 <a:cs typeface="Roboto" panose="02000000000000000000" pitchFamily="2" charset="0"/>
               </a:rPr>
-              <a:t>4th in Infant Mortality Rate </a:t>
-            </a:r>
-            <a:r>
-              <a:rPr lang="en-US" sz="3500" dirty="0">
+              <a:t>Least Healthy Countries:</a:t>
+            </a:r>
+          </a:p>
+          <a:p>
+            <a:pPr lvl="1">
+              <a:lnSpc>
+                <a:spcPct val="150000"/>
+              </a:lnSpc>
+            </a:pPr>
+            <a:r>
+              <a:rPr lang="en-US" sz="3100" b="1" i="1" dirty="0">
                 <a:latin typeface="Roboto" panose="02000000000000000000" pitchFamily="2" charset="0"/>
                 <a:ea typeface="Roboto" panose="02000000000000000000" pitchFamily="2" charset="0"/>
                 <a:cs typeface="Roboto" panose="02000000000000000000" pitchFamily="2" charset="0"/>
               </a:rPr>
-              <a:t>China: 12.53 in 2010 and 6.44 in 2018 </a:t>
-            </a:r>
-            <a:r>
-              <a:rPr lang="en-US" sz="3500" i="1" dirty="0">
+              <a:t>1st in Infant Mortality Rate </a:t>
+            </a:r>
+            <a:r>
+              <a:rPr lang="en-US" sz="3100" b="1" dirty="0">
                 <a:latin typeface="Roboto" panose="02000000000000000000" pitchFamily="2" charset="0"/>
                 <a:ea typeface="Roboto" panose="02000000000000000000" pitchFamily="2" charset="0"/>
                 <a:cs typeface="Roboto" panose="02000000000000000000" pitchFamily="2" charset="0"/>
               </a:rPr>
+              <a:t>India: </a:t>
+            </a:r>
+            <a:r>
+              <a:rPr lang="en-US" sz="3100" dirty="0">
+                <a:latin typeface="Roboto" panose="02000000000000000000" pitchFamily="2" charset="0"/>
+                <a:ea typeface="Roboto" panose="02000000000000000000" pitchFamily="2" charset="0"/>
+                <a:cs typeface="Roboto" panose="02000000000000000000" pitchFamily="2" charset="0"/>
+              </a:rPr>
+              <a:t>45.09 in 2010 and 29.76 in 2018 </a:t>
+            </a:r>
+            <a:r>
+              <a:rPr lang="en-US" sz="3100" i="1" dirty="0">
+                <a:latin typeface="Roboto" panose="02000000000000000000" pitchFamily="2" charset="0"/>
+                <a:ea typeface="Roboto" panose="02000000000000000000" pitchFamily="2" charset="0"/>
+                <a:cs typeface="Roboto" panose="02000000000000000000" pitchFamily="2" charset="0"/>
+              </a:rPr>
+              <a:t>(2nd largest populated)</a:t>
+            </a:r>
+          </a:p>
+          <a:p>
+            <a:pPr lvl="1">
+              <a:lnSpc>
+                <a:spcPct val="150000"/>
+              </a:lnSpc>
+            </a:pPr>
+            <a:r>
+              <a:rPr lang="en-US" sz="3100" b="1" i="1" dirty="0">
+                <a:latin typeface="Roboto" panose="02000000000000000000" pitchFamily="2" charset="0"/>
+                <a:ea typeface="Roboto" panose="02000000000000000000" pitchFamily="2" charset="0"/>
+                <a:cs typeface="Roboto" panose="02000000000000000000" pitchFamily="2" charset="0"/>
+              </a:rPr>
+              <a:t>2nd in Infant Morality Rate </a:t>
+            </a:r>
+            <a:r>
+              <a:rPr lang="en-US" sz="3100" b="1" dirty="0">
+                <a:latin typeface="Roboto" panose="02000000000000000000" pitchFamily="2" charset="0"/>
+                <a:ea typeface="Roboto" panose="02000000000000000000" pitchFamily="2" charset="0"/>
+                <a:cs typeface="Roboto" panose="02000000000000000000" pitchFamily="2" charset="0"/>
+              </a:rPr>
+              <a:t>South Africa</a:t>
+            </a:r>
+            <a:r>
+              <a:rPr lang="en-US" sz="3100" dirty="0">
+                <a:latin typeface="Roboto" panose="02000000000000000000" pitchFamily="2" charset="0"/>
+                <a:ea typeface="Roboto" panose="02000000000000000000" pitchFamily="2" charset="0"/>
+                <a:cs typeface="Roboto" panose="02000000000000000000" pitchFamily="2" charset="0"/>
+              </a:rPr>
+              <a:t>: 34.37 in 2010 and 26.92 in 2018 </a:t>
+            </a:r>
+          </a:p>
+          <a:p>
+            <a:pPr lvl="1">
+              <a:lnSpc>
+                <a:spcPct val="150000"/>
+              </a:lnSpc>
+            </a:pPr>
+            <a:r>
+              <a:rPr lang="en-US" sz="3100" b="1" i="1" dirty="0">
+                <a:latin typeface="Roboto" panose="02000000000000000000" pitchFamily="2" charset="0"/>
+                <a:ea typeface="Roboto" panose="02000000000000000000" pitchFamily="2" charset="0"/>
+                <a:cs typeface="Roboto" panose="02000000000000000000" pitchFamily="2" charset="0"/>
+              </a:rPr>
+              <a:t>4th in Infant Mortality Rate </a:t>
+            </a:r>
+            <a:r>
+              <a:rPr lang="en-US" sz="3100" b="1" dirty="0">
+                <a:latin typeface="Roboto" panose="02000000000000000000" pitchFamily="2" charset="0"/>
+                <a:ea typeface="Roboto" panose="02000000000000000000" pitchFamily="2" charset="0"/>
+                <a:cs typeface="Roboto" panose="02000000000000000000" pitchFamily="2" charset="0"/>
+              </a:rPr>
+              <a:t>China: </a:t>
+            </a:r>
+            <a:r>
+              <a:rPr lang="en-US" sz="3100" dirty="0">
+                <a:latin typeface="Roboto" panose="02000000000000000000" pitchFamily="2" charset="0"/>
+                <a:ea typeface="Roboto" panose="02000000000000000000" pitchFamily="2" charset="0"/>
+                <a:cs typeface="Roboto" panose="02000000000000000000" pitchFamily="2" charset="0"/>
+              </a:rPr>
+              <a:t>12.53 in 2010 and 6.44 in 2018 </a:t>
+            </a:r>
+            <a:r>
+              <a:rPr lang="en-US" sz="3100" i="1" dirty="0">
+                <a:latin typeface="Roboto" panose="02000000000000000000" pitchFamily="2" charset="0"/>
+                <a:ea typeface="Roboto" panose="02000000000000000000" pitchFamily="2" charset="0"/>
+                <a:cs typeface="Roboto" panose="02000000000000000000" pitchFamily="2" charset="0"/>
+              </a:rPr>
               <a:t>(1st largest populated)</a:t>
             </a:r>
+            <a:endParaRPr lang="en-US" sz="3100" dirty="0">
+              <a:latin typeface="Roboto" panose="02000000000000000000" pitchFamily="2" charset="0"/>
+              <a:ea typeface="Roboto" panose="02000000000000000000" pitchFamily="2" charset="0"/>
+              <a:cs typeface="Roboto" panose="02000000000000000000" pitchFamily="2" charset="0"/>
+            </a:endParaRPr>
           </a:p>
           <a:p>
             <a:pPr>
@@ -5485,58 +6608,90 @@
               </a:lnSpc>
             </a:pPr>
             <a:r>
-              <a:rPr lang="en-US" sz="3500" i="1" dirty="0">
+              <a:rPr lang="en-US" sz="3700" b="1" dirty="0">
                 <a:latin typeface="Roboto" panose="02000000000000000000" pitchFamily="2" charset="0"/>
                 <a:ea typeface="Roboto" panose="02000000000000000000" pitchFamily="2" charset="0"/>
                 <a:cs typeface="Roboto" panose="02000000000000000000" pitchFamily="2" charset="0"/>
               </a:rPr>
-              <a:t>1st in Infant Mortality Rate </a:t>
-            </a:r>
-            <a:r>
-              <a:rPr lang="en-US" sz="3500" dirty="0">
-                <a:latin typeface="Roboto" panose="02000000000000000000" pitchFamily="2" charset="0"/>
-                <a:ea typeface="Roboto" panose="02000000000000000000" pitchFamily="2" charset="0"/>
-                <a:cs typeface="Roboto" panose="02000000000000000000" pitchFamily="2" charset="0"/>
-              </a:rPr>
-              <a:t>India has the highest infant mortality rate : 45.09 in 2010 and 29.76 in 2018 </a:t>
-            </a:r>
-            <a:r>
-              <a:rPr lang="en-US" sz="3500" i="1" dirty="0">
-                <a:latin typeface="Roboto" panose="02000000000000000000" pitchFamily="2" charset="0"/>
-                <a:ea typeface="Roboto" panose="02000000000000000000" pitchFamily="2" charset="0"/>
-                <a:cs typeface="Roboto" panose="02000000000000000000" pitchFamily="2" charset="0"/>
-              </a:rPr>
-              <a:t>(2nd largest populated)</a:t>
-            </a:r>
-          </a:p>
-          <a:p>
-            <a:pPr>
+              <a:t>Most Healthy Countries:</a:t>
+            </a:r>
+          </a:p>
+          <a:p>
+            <a:pPr lvl="1">
               <a:lnSpc>
                 <a:spcPct val="150000"/>
               </a:lnSpc>
             </a:pPr>
             <a:r>
-              <a:rPr lang="en-US" sz="3500" dirty="0">
+              <a:rPr lang="en-US" sz="3100" b="1" dirty="0">
                 <a:latin typeface="Roboto" panose="02000000000000000000" pitchFamily="2" charset="0"/>
                 <a:ea typeface="Roboto" panose="02000000000000000000" pitchFamily="2" charset="0"/>
                 <a:cs typeface="Roboto" panose="02000000000000000000" pitchFamily="2" charset="0"/>
               </a:rPr>
-              <a:t>South Africa: 34.37 in 2010 and 26.92 in 2018 </a:t>
-            </a:r>
-          </a:p>
-          <a:p>
-            <a:pPr>
+              <a:t>Japan</a:t>
+            </a:r>
+            <a:r>
+              <a:rPr lang="en-US" sz="3100" dirty="0">
+                <a:latin typeface="Roboto" panose="02000000000000000000" pitchFamily="2" charset="0"/>
+                <a:ea typeface="Roboto" panose="02000000000000000000" pitchFamily="2" charset="0"/>
+                <a:cs typeface="Roboto" panose="02000000000000000000" pitchFamily="2" charset="0"/>
+              </a:rPr>
+              <a:t> has the lowest infant mortality rate: 2.36 in 2010 and 1.88 in 2018</a:t>
+            </a:r>
+          </a:p>
+          <a:p>
+            <a:pPr lvl="1">
               <a:lnSpc>
                 <a:spcPct val="150000"/>
               </a:lnSpc>
             </a:pPr>
             <a:r>
-              <a:rPr lang="en-US" sz="3500" dirty="0">
+              <a:rPr lang="en-US" sz="3100" b="1" dirty="0">
                 <a:latin typeface="Roboto" panose="02000000000000000000" pitchFamily="2" charset="0"/>
                 <a:ea typeface="Roboto" panose="02000000000000000000" pitchFamily="2" charset="0"/>
                 <a:cs typeface="Roboto" panose="02000000000000000000" pitchFamily="2" charset="0"/>
               </a:rPr>
-              <a:t>Japan has the lowest infant mortality rate: 2.36 in 2010 and 1.88 in 2018</a:t>
+              <a:t>2nd:</a:t>
+            </a:r>
+            <a:r>
+              <a:rPr lang="en-US" sz="3100" dirty="0">
+                <a:latin typeface="Roboto" panose="02000000000000000000" pitchFamily="2" charset="0"/>
+                <a:ea typeface="Roboto" panose="02000000000000000000" pitchFamily="2" charset="0"/>
+                <a:cs typeface="Roboto" panose="02000000000000000000" pitchFamily="2" charset="0"/>
+              </a:rPr>
+              <a:t> Israel</a:t>
+            </a:r>
+            <a:r>
+              <a:rPr lang="en-US" sz="3100" b="1" dirty="0">
+                <a:latin typeface="Roboto" panose="02000000000000000000" pitchFamily="2" charset="0"/>
+                <a:ea typeface="Roboto" panose="02000000000000000000" pitchFamily="2" charset="0"/>
+                <a:cs typeface="Roboto" panose="02000000000000000000" pitchFamily="2" charset="0"/>
+              </a:rPr>
+              <a:t>, 3rd: </a:t>
+            </a:r>
+            <a:r>
+              <a:rPr lang="en-US" sz="3100" dirty="0">
+                <a:latin typeface="Roboto" panose="02000000000000000000" pitchFamily="2" charset="0"/>
+                <a:ea typeface="Roboto" panose="02000000000000000000" pitchFamily="2" charset="0"/>
+                <a:cs typeface="Roboto" panose="02000000000000000000" pitchFamily="2" charset="0"/>
+              </a:rPr>
+              <a:t>Germany, </a:t>
+            </a:r>
+            <a:r>
+              <a:rPr lang="en-US" sz="3100" b="1" dirty="0">
+                <a:latin typeface="Roboto" panose="02000000000000000000" pitchFamily="2" charset="0"/>
+                <a:ea typeface="Roboto" panose="02000000000000000000" pitchFamily="2" charset="0"/>
+                <a:cs typeface="Roboto" panose="02000000000000000000" pitchFamily="2" charset="0"/>
+              </a:rPr>
+              <a:t>4th</a:t>
+            </a:r>
+            <a:r>
+              <a:rPr lang="en-US" sz="3100" dirty="0">
+                <a:latin typeface="Roboto" panose="02000000000000000000" pitchFamily="2" charset="0"/>
+                <a:ea typeface="Roboto" panose="02000000000000000000" pitchFamily="2" charset="0"/>
+                <a:cs typeface="Roboto" panose="02000000000000000000" pitchFamily="2" charset="0"/>
+              </a:rPr>
+              <a:t>: Australia</a:t>
             </a:r>
           </a:p>
         </p:txBody>
@@ -5734,7 +6889,7 @@
 </p:sld>
 </file>
 
-<file path=ppt/slides/slide12.xml><?xml version="1.0" encoding="utf-8"?>
+<file path=ppt/slides/slide13.xml><?xml version="1.0" encoding="utf-8"?>
 <p:sld xmlns:a="http://schemas.openxmlformats.org/drawingml/2006/main" xmlns:r="http://schemas.openxmlformats.org/officeDocument/2006/relationships" xmlns:p="http://schemas.openxmlformats.org/presentationml/2006/main">
   <p:cSld>
     <p:spTree>
@@ -5832,7 +6987,7 @@
           <a:p>
             <a:fld id="{9CD8D479-8942-46E8-A226-A4E01F7A105C}" type="slidenum">
               <a:rPr lang="en-US" smtClean="0"/>
-              <a:t>12</a:t>
+              <a:t>13</a:t>
             </a:fld>
             <a:endParaRPr lang="en-US"/>
           </a:p>
@@ -6096,7 +7251,7 @@
           </a:p>
           <a:p>
             <a:r>
-              <a:rPr lang="en-US" sz="1600" dirty="0">
+              <a:rPr lang="en-US" sz="1600" b="1" dirty="0">
                 <a:latin typeface="Roboto" panose="02000000000000000000" pitchFamily="2" charset="0"/>
                 <a:ea typeface="Roboto" panose="02000000000000000000" pitchFamily="2" charset="0"/>
                 <a:cs typeface="Roboto" panose="02000000000000000000" pitchFamily="2" charset="0"/>
@@ -6141,7 +7296,7 @@
           </a:p>
           <a:p>
             <a:r>
-              <a:rPr lang="en-US" sz="1600" dirty="0">
+              <a:rPr lang="en-US" sz="1600" b="1" dirty="0">
                 <a:latin typeface="Roboto" panose="02000000000000000000" pitchFamily="2" charset="0"/>
                 <a:ea typeface="Roboto" panose="02000000000000000000" pitchFamily="2" charset="0"/>
                 <a:cs typeface="Roboto" panose="02000000000000000000" pitchFamily="2" charset="0"/>
@@ -6162,7 +7317,7 @@
           </a:p>
           <a:p>
             <a:r>
-              <a:rPr lang="en-US" sz="1600" dirty="0">
+              <a:rPr lang="en-US" sz="1600" b="1" dirty="0">
                 <a:latin typeface="Roboto" panose="02000000000000000000" pitchFamily="2" charset="0"/>
                 <a:ea typeface="Roboto" panose="02000000000000000000" pitchFamily="2" charset="0"/>
                 <a:cs typeface="Roboto" panose="02000000000000000000" pitchFamily="2" charset="0"/>
@@ -6324,7 +7479,7 @@
 </p:sld>
 </file>
 
-<file path=ppt/slides/slide13.xml><?xml version="1.0" encoding="utf-8"?>
+<file path=ppt/slides/slide14.xml><?xml version="1.0" encoding="utf-8"?>
 <p:sld xmlns:a="http://schemas.openxmlformats.org/drawingml/2006/main" xmlns:r="http://schemas.openxmlformats.org/officeDocument/2006/relationships" xmlns:p="http://schemas.openxmlformats.org/presentationml/2006/main">
   <p:cSld>
     <p:spTree>
@@ -6396,7 +7551,7 @@
           <a:p>
             <a:fld id="{9CD8D479-8942-46E8-A226-A4E01F7A105C}" type="slidenum">
               <a:rPr lang="en-US" smtClean="0"/>
-              <a:t>13</a:t>
+              <a:t>14</a:t>
             </a:fld>
             <a:endParaRPr lang="en-US"/>
           </a:p>
@@ -9528,7 +10683,7 @@
 </p:sld>
 </file>
 
-<file path=ppt/slides/slide14.xml><?xml version="1.0" encoding="utf-8"?>
+<file path=ppt/slides/slide15.xml><?xml version="1.0" encoding="utf-8"?>
 <p:sld xmlns:a="http://schemas.openxmlformats.org/drawingml/2006/main" xmlns:r="http://schemas.openxmlformats.org/officeDocument/2006/relationships" xmlns:p="http://schemas.openxmlformats.org/presentationml/2006/main">
   <p:cSld>
     <p:spTree>
@@ -9591,117 +10746,290 @@
           <a:lstStyle/>
           <a:p>
             <a:r>
-              <a:rPr lang="en-US" sz="1800" b="1" dirty="0">
+              <a:rPr lang="en-US" sz="1800" b="1" u="sng" dirty="0">
                 <a:latin typeface="Roboto" panose="02000000000000000000" pitchFamily="2" charset="0"/>
                 <a:ea typeface="Roboto" panose="02000000000000000000" pitchFamily="2" charset="0"/>
                 <a:cs typeface="Roboto" panose="02000000000000000000" pitchFamily="2" charset="0"/>
               </a:rPr>
-              <a:t>Health Analysis</a:t>
+              <a:t>Environmental Analysis</a:t>
             </a:r>
           </a:p>
           <a:p>
             <a:pPr lvl="1"/>
             <a:r>
-              <a:rPr lang="en-US" sz="1600" dirty="0">
+              <a:rPr lang="en-US" sz="1600" b="1" i="0" dirty="0">
+                <a:solidFill>
+                  <a:srgbClr val="1D1C1D"/>
+                </a:solidFill>
+                <a:effectLst/>
                 <a:latin typeface="Roboto" panose="02000000000000000000" pitchFamily="2" charset="0"/>
                 <a:ea typeface="Roboto" panose="02000000000000000000" pitchFamily="2" charset="0"/>
                 <a:cs typeface="Roboto" panose="02000000000000000000" pitchFamily="2" charset="0"/>
               </a:rPr>
-              <a:t>China is the largest densely populated country and 2nd leading country in death rates for outdoor air pollution, cardiovascular disease, and cancer</a:t>
-            </a:r>
-          </a:p>
-          <a:p>
-            <a:pPr lvl="2"/>
-            <a:r>
-              <a:rPr lang="en-US" sz="1400" dirty="0">
+              <a:t>CO2 Emission have not changed </a:t>
+            </a:r>
+            <a:r>
+              <a:rPr lang="en-US" sz="1600" b="0" i="0" dirty="0">
+                <a:solidFill>
+                  <a:srgbClr val="1D1C1D"/>
+                </a:solidFill>
+                <a:effectLst/>
                 <a:latin typeface="Roboto" panose="02000000000000000000" pitchFamily="2" charset="0"/>
                 <a:ea typeface="Roboto" panose="02000000000000000000" pitchFamily="2" charset="0"/>
                 <a:cs typeface="Roboto" panose="02000000000000000000" pitchFamily="2" charset="0"/>
               </a:rPr>
-              <a:t>Likely correlated to population</a:t>
-            </a:r>
-          </a:p>
-          <a:p>
-            <a:pPr lvl="2"/>
-            <a:r>
-              <a:rPr lang="en-US" sz="1400" dirty="0">
+              <a:t>much over time, </a:t>
+            </a:r>
+            <a:r>
+              <a:rPr lang="en-US" sz="1600" b="1" i="0" dirty="0">
+                <a:solidFill>
+                  <a:srgbClr val="1D1C1D"/>
+                </a:solidFill>
+                <a:effectLst/>
                 <a:latin typeface="Roboto" panose="02000000000000000000" pitchFamily="2" charset="0"/>
                 <a:ea typeface="Roboto" panose="02000000000000000000" pitchFamily="2" charset="0"/>
                 <a:cs typeface="Roboto" panose="02000000000000000000" pitchFamily="2" charset="0"/>
               </a:rPr>
-              <a:t>South Africa exception</a:t>
+              <a:t>except for China</a:t>
             </a:r>
           </a:p>
           <a:p>
             <a:pPr lvl="1"/>
             <a:r>
-              <a:rPr lang="en-US" sz="1600" dirty="0">
+              <a:rPr lang="en-US" sz="1600" b="0" i="0" dirty="0">
+                <a:solidFill>
+                  <a:srgbClr val="1D1C1D"/>
+                </a:solidFill>
+                <a:effectLst/>
                 <a:latin typeface="Roboto" panose="02000000000000000000" pitchFamily="2" charset="0"/>
                 <a:ea typeface="Roboto" panose="02000000000000000000" pitchFamily="2" charset="0"/>
                 <a:cs typeface="Roboto" panose="02000000000000000000" pitchFamily="2" charset="0"/>
               </a:rPr>
-              <a:t>Differences likely due to healthcare costs and availability, nutrition/malnutrition, and economic status</a:t>
-            </a:r>
-          </a:p>
-          <a:p>
-            <a:pPr lvl="1"/>
-            <a:r>
-              <a:rPr lang="en-US" sz="1600" dirty="0">
+              <a:t>Assume most populated countries = worst polluters, but when looking at a country’s cement carbon footprint, </a:t>
+            </a:r>
+            <a:r>
+              <a:rPr lang="en-US" sz="1600" b="1" i="0" dirty="0">
+                <a:solidFill>
+                  <a:srgbClr val="1D1C1D"/>
+                </a:solidFill>
+                <a:effectLst/>
                 <a:latin typeface="Roboto" panose="02000000000000000000" pitchFamily="2" charset="0"/>
                 <a:ea typeface="Roboto" panose="02000000000000000000" pitchFamily="2" charset="0"/>
                 <a:cs typeface="Roboto" panose="02000000000000000000" pitchFamily="2" charset="0"/>
               </a:rPr>
-              <a:t>Strong positive correlation between outdoor air pollution and cancer death rates as well as outdoor air pollution and cardiovascular disease death rates.</a:t>
-            </a:r>
-          </a:p>
-          <a:p>
-            <a:r>
-              <a:rPr lang="en-US" dirty="0">
+              <a:t>Israel is in second place (China is first and Japan is third</a:t>
+            </a:r>
+            <a:r>
+              <a:rPr lang="en-US" sz="1600" b="0" i="0" dirty="0">
+                <a:solidFill>
+                  <a:srgbClr val="1D1C1D"/>
+                </a:solidFill>
+                <a:effectLst/>
                 <a:latin typeface="Roboto" panose="02000000000000000000" pitchFamily="2" charset="0"/>
                 <a:ea typeface="Roboto" panose="02000000000000000000" pitchFamily="2" charset="0"/>
                 <a:cs typeface="Roboto" panose="02000000000000000000" pitchFamily="2" charset="0"/>
               </a:rPr>
-              <a:t>Findings vs Hypothesis?</a:t>
-            </a:r>
-          </a:p>
-          <a:p>
-            <a:r>
-              <a:rPr lang="en-US" dirty="0">
+              <a:t>). </a:t>
+            </a:r>
+          </a:p>
+          <a:p>
+            <a:pPr lvl="2"/>
+            <a:r>
+              <a:rPr lang="en-US" sz="1400" b="1" i="0" dirty="0">
+                <a:solidFill>
+                  <a:srgbClr val="1D1C1D"/>
+                </a:solidFill>
+                <a:effectLst/>
                 <a:latin typeface="Roboto" panose="02000000000000000000" pitchFamily="2" charset="0"/>
                 <a:ea typeface="Roboto" panose="02000000000000000000" pitchFamily="2" charset="0"/>
                 <a:cs typeface="Roboto" panose="02000000000000000000" pitchFamily="2" charset="0"/>
               </a:rPr>
-              <a:t>Accuracy?</a:t>
-            </a:r>
-          </a:p>
-          <a:p>
-            <a:r>
-              <a:rPr lang="en-US" dirty="0">
+              <a:t>Predict future</a:t>
+            </a:r>
+            <a:r>
+              <a:rPr lang="en-US" sz="1400" b="0" i="0" dirty="0">
+                <a:solidFill>
+                  <a:srgbClr val="1D1C1D"/>
+                </a:solidFill>
+                <a:effectLst/>
                 <a:latin typeface="Roboto" panose="02000000000000000000" pitchFamily="2" charset="0"/>
                 <a:ea typeface="Roboto" panose="02000000000000000000" pitchFamily="2" charset="0"/>
                 <a:cs typeface="Roboto" panose="02000000000000000000" pitchFamily="2" charset="0"/>
               </a:rPr>
-              <a:t>Relevant?</a:t>
-            </a:r>
-          </a:p>
-          <a:p>
-            <a:r>
-              <a:rPr lang="en-US" dirty="0">
+              <a:t> looking at the data and trends</a:t>
+            </a:r>
+          </a:p>
+          <a:p>
+            <a:pPr lvl="3"/>
+            <a:r>
+              <a:rPr lang="en-US" sz="1400" b="0" i="0" dirty="0">
+                <a:solidFill>
+                  <a:srgbClr val="1D1C1D"/>
+                </a:solidFill>
+                <a:effectLst/>
                 <a:latin typeface="Roboto" panose="02000000000000000000" pitchFamily="2" charset="0"/>
                 <a:ea typeface="Roboto" panose="02000000000000000000" pitchFamily="2" charset="0"/>
                 <a:cs typeface="Roboto" panose="02000000000000000000" pitchFamily="2" charset="0"/>
               </a:rPr>
-              <a:t>How can data be used?</a:t>
-            </a:r>
-          </a:p>
-          <a:p>
-            <a:r>
-              <a:rPr lang="en-US" dirty="0">
+              <a:t>Israel’s cement carbon footprint will continue to decrease (and go below Japan)</a:t>
+            </a:r>
+            <a:endParaRPr lang="en-US" sz="1800" b="1" dirty="0">
+              <a:latin typeface="Roboto" panose="02000000000000000000" pitchFamily="2" charset="0"/>
+              <a:ea typeface="Roboto" panose="02000000000000000000" pitchFamily="2" charset="0"/>
+              <a:cs typeface="Roboto" panose="02000000000000000000" pitchFamily="2" charset="0"/>
+            </a:endParaRPr>
+          </a:p>
+          <a:p>
+            <a:r>
+              <a:rPr lang="en-US" sz="1800" b="1" u="sng" dirty="0">
                 <a:latin typeface="Roboto" panose="02000000000000000000" pitchFamily="2" charset="0"/>
                 <a:ea typeface="Roboto" panose="02000000000000000000" pitchFamily="2" charset="0"/>
                 <a:cs typeface="Roboto" panose="02000000000000000000" pitchFamily="2" charset="0"/>
               </a:rPr>
-              <a:t>What was learned?</a:t>
+              <a:t>Health Analysis</a:t>
+            </a:r>
+          </a:p>
+          <a:p>
+            <a:pPr lvl="1">
+              <a:lnSpc>
+                <a:spcPct val="150000"/>
+              </a:lnSpc>
+            </a:pPr>
+            <a:r>
+              <a:rPr lang="en-US" sz="1600" dirty="0">
+                <a:latin typeface="Roboto" panose="02000000000000000000" pitchFamily="2" charset="0"/>
+                <a:ea typeface="Roboto" panose="02000000000000000000" pitchFamily="2" charset="0"/>
+                <a:cs typeface="Roboto" panose="02000000000000000000" pitchFamily="2" charset="0"/>
+              </a:rPr>
+              <a:t>Life expectancy </a:t>
+            </a:r>
+            <a:r>
+              <a:rPr lang="en-US" sz="1600" b="1" dirty="0">
+                <a:latin typeface="Roboto" panose="02000000000000000000" pitchFamily="2" charset="0"/>
+                <a:ea typeface="Roboto" panose="02000000000000000000" pitchFamily="2" charset="0"/>
+                <a:cs typeface="Roboto" panose="02000000000000000000" pitchFamily="2" charset="0"/>
+              </a:rPr>
+              <a:t>top 3 countries: </a:t>
+            </a:r>
+            <a:r>
+              <a:rPr lang="en-US" sz="1600" dirty="0">
+                <a:latin typeface="Roboto" panose="02000000000000000000" pitchFamily="2" charset="0"/>
+                <a:ea typeface="Roboto" panose="02000000000000000000" pitchFamily="2" charset="0"/>
+                <a:cs typeface="Roboto" panose="02000000000000000000" pitchFamily="2" charset="0"/>
+              </a:rPr>
+              <a:t>Australia, Israel, and Japan and </a:t>
+            </a:r>
+            <a:r>
+              <a:rPr lang="en-US" sz="1600" b="1" dirty="0">
+                <a:latin typeface="Roboto" panose="02000000000000000000" pitchFamily="2" charset="0"/>
+                <a:ea typeface="Roboto" panose="02000000000000000000" pitchFamily="2" charset="0"/>
+                <a:cs typeface="Roboto" panose="02000000000000000000" pitchFamily="2" charset="0"/>
+              </a:rPr>
+              <a:t>bottom 3:</a:t>
+            </a:r>
+            <a:r>
+              <a:rPr lang="en-US" sz="1600" dirty="0">
+                <a:latin typeface="Roboto" panose="02000000000000000000" pitchFamily="2" charset="0"/>
+                <a:ea typeface="Roboto" panose="02000000000000000000" pitchFamily="2" charset="0"/>
+                <a:cs typeface="Roboto" panose="02000000000000000000" pitchFamily="2" charset="0"/>
+              </a:rPr>
+              <a:t> India, Russia, South Africa</a:t>
+            </a:r>
+          </a:p>
+          <a:p>
+            <a:pPr lvl="1">
+              <a:lnSpc>
+                <a:spcPct val="150000"/>
+              </a:lnSpc>
+            </a:pPr>
+            <a:r>
+              <a:rPr lang="en-US" sz="1600" b="1" dirty="0">
+                <a:latin typeface="Roboto" panose="02000000000000000000" pitchFamily="2" charset="0"/>
+                <a:ea typeface="Roboto" panose="02000000000000000000" pitchFamily="2" charset="0"/>
+                <a:cs typeface="Roboto" panose="02000000000000000000" pitchFamily="2" charset="0"/>
+              </a:rPr>
+              <a:t>China and India are below average life expectancy </a:t>
+            </a:r>
+            <a:r>
+              <a:rPr lang="en-US" sz="1600" dirty="0">
+                <a:latin typeface="Roboto" panose="02000000000000000000" pitchFamily="2" charset="0"/>
+                <a:ea typeface="Roboto" panose="02000000000000000000" pitchFamily="2" charset="0"/>
+                <a:cs typeface="Roboto" panose="02000000000000000000" pitchFamily="2" charset="0"/>
+              </a:rPr>
+              <a:t>and two </a:t>
+            </a:r>
+            <a:r>
+              <a:rPr lang="en-US" sz="1600" b="1" dirty="0">
+                <a:latin typeface="Roboto" panose="02000000000000000000" pitchFamily="2" charset="0"/>
+                <a:ea typeface="Roboto" panose="02000000000000000000" pitchFamily="2" charset="0"/>
+                <a:cs typeface="Roboto" panose="02000000000000000000" pitchFamily="2" charset="0"/>
+              </a:rPr>
+              <a:t>highest for annual death rates</a:t>
+            </a:r>
+          </a:p>
+          <a:p>
+            <a:pPr lvl="1"/>
+            <a:r>
+              <a:rPr lang="en-US" sz="1600" b="1" dirty="0">
+                <a:latin typeface="Roboto" panose="02000000000000000000" pitchFamily="2" charset="0"/>
+                <a:ea typeface="Roboto" panose="02000000000000000000" pitchFamily="2" charset="0"/>
+                <a:cs typeface="Roboto" panose="02000000000000000000" pitchFamily="2" charset="0"/>
+              </a:rPr>
+              <a:t>China is the largest densely populated country </a:t>
+            </a:r>
+            <a:r>
+              <a:rPr lang="en-US" sz="1600" dirty="0">
+                <a:latin typeface="Roboto" panose="02000000000000000000" pitchFamily="2" charset="0"/>
+                <a:ea typeface="Roboto" panose="02000000000000000000" pitchFamily="2" charset="0"/>
+                <a:cs typeface="Roboto" panose="02000000000000000000" pitchFamily="2" charset="0"/>
+              </a:rPr>
+              <a:t>and </a:t>
+            </a:r>
+            <a:r>
+              <a:rPr lang="en-US" sz="1600" b="1" dirty="0">
+                <a:latin typeface="Roboto" panose="02000000000000000000" pitchFamily="2" charset="0"/>
+                <a:ea typeface="Roboto" panose="02000000000000000000" pitchFamily="2" charset="0"/>
+                <a:cs typeface="Roboto" panose="02000000000000000000" pitchFamily="2" charset="0"/>
+              </a:rPr>
+              <a:t>2nd leading country in all death rates </a:t>
+            </a:r>
+            <a:r>
+              <a:rPr lang="en-US" sz="1600" dirty="0">
+                <a:latin typeface="Roboto" panose="02000000000000000000" pitchFamily="2" charset="0"/>
+                <a:ea typeface="Roboto" panose="02000000000000000000" pitchFamily="2" charset="0"/>
+                <a:cs typeface="Roboto" panose="02000000000000000000" pitchFamily="2" charset="0"/>
+              </a:rPr>
+              <a:t>for outdoor air pollution, cardiovascular disease, and cancer</a:t>
+            </a:r>
+          </a:p>
+          <a:p>
+            <a:pPr lvl="2"/>
+            <a:r>
+              <a:rPr lang="en-US" sz="1400" dirty="0">
+                <a:latin typeface="Roboto" panose="02000000000000000000" pitchFamily="2" charset="0"/>
+                <a:ea typeface="Roboto" panose="02000000000000000000" pitchFamily="2" charset="0"/>
+                <a:cs typeface="Roboto" panose="02000000000000000000" pitchFamily="2" charset="0"/>
+              </a:rPr>
+              <a:t>Likely correlated to population</a:t>
+            </a:r>
+          </a:p>
+          <a:p>
+            <a:pPr lvl="2"/>
+            <a:r>
+              <a:rPr lang="en-US" sz="1400" b="1" dirty="0">
+                <a:latin typeface="Roboto" panose="02000000000000000000" pitchFamily="2" charset="0"/>
+                <a:ea typeface="Roboto" panose="02000000000000000000" pitchFamily="2" charset="0"/>
+                <a:cs typeface="Roboto" panose="02000000000000000000" pitchFamily="2" charset="0"/>
+              </a:rPr>
+              <a:t>South Africa exception: </a:t>
+            </a:r>
+            <a:r>
+              <a:rPr lang="en-US" sz="1400" dirty="0">
+                <a:latin typeface="Roboto" panose="02000000000000000000" pitchFamily="2" charset="0"/>
+                <a:ea typeface="Roboto" panose="02000000000000000000" pitchFamily="2" charset="0"/>
+                <a:cs typeface="Roboto" panose="02000000000000000000" pitchFamily="2" charset="0"/>
+              </a:rPr>
+              <a:t>differences likely due to healthcare costs and availability, nutrition/malnutrition, and economic status</a:t>
             </a:r>
           </a:p>
         </p:txBody>
@@ -9723,7 +11051,7 @@
           <a:p>
             <a:fld id="{9CD8D479-8942-46E8-A226-A4E01F7A105C}" type="slidenum">
               <a:rPr lang="en-US" smtClean="0"/>
-              <a:t>14</a:t>
+              <a:t>15</a:t>
             </a:fld>
             <a:endParaRPr lang="en-US"/>
           </a:p>
@@ -9754,7 +11082,7 @@
 </p:sld>
 </file>
 
-<file path=ppt/slides/slide15.xml><?xml version="1.0" encoding="utf-8"?>
+<file path=ppt/slides/slide16.xml><?xml version="1.0" encoding="utf-8"?>
 <p:sld xmlns:a="http://schemas.openxmlformats.org/drawingml/2006/main" xmlns:r="http://schemas.openxmlformats.org/officeDocument/2006/relationships" xmlns:p="http://schemas.openxmlformats.org/presentationml/2006/main">
   <p:cSld>
     <p:spTree>
@@ -10093,7 +11421,39 @@
                   <a:schemeClr val="bg1"/>
                 </a:solidFill>
               </a:rPr>
-              <a:t>Introduction</a:t>
+              <a:t>Pandas </a:t>
+            </a:r>
+            <a:r>
+              <a:rPr lang="fr-FR" dirty="0" err="1">
+                <a:solidFill>
+                  <a:schemeClr val="bg1"/>
+                </a:solidFill>
+              </a:rPr>
+              <a:t>Function</a:t>
+            </a:r>
+            <a:r>
+              <a:rPr lang="fr-FR" dirty="0">
+                <a:solidFill>
+                  <a:schemeClr val="bg1"/>
+                </a:solidFill>
+              </a:rPr>
+              <a:t> .</a:t>
+            </a:r>
+            <a:r>
+              <a:rPr lang="fr-FR" dirty="0" err="1">
+                <a:solidFill>
+                  <a:schemeClr val="bg1"/>
+                </a:solidFill>
+              </a:rPr>
+              <a:t>isin</a:t>
+            </a:r>
+            <a:r>
+              <a:rPr lang="fr-FR" dirty="0">
+                <a:solidFill>
+                  <a:schemeClr val="bg1"/>
+                </a:solidFill>
+              </a:rPr>
+              <a:t>()</a:t>
             </a:r>
             <a:endParaRPr lang="en-US" dirty="0">
               <a:solidFill>
@@ -10386,12 +11746,20 @@
           <a:lstStyle/>
           <a:p>
             <a:r>
+              <a:rPr lang="fr-FR" dirty="0">
+                <a:solidFill>
+                  <a:schemeClr val="bg1"/>
+                </a:solidFill>
+              </a:rPr>
+              <a:t>Pandas </a:t>
+            </a:r>
+            <a:r>
               <a:rPr lang="fr-FR" dirty="0" err="1">
                 <a:solidFill>
                   <a:schemeClr val="bg1"/>
                 </a:solidFill>
               </a:rPr>
-              <a:t>Cont</a:t>
+              <a:t>Function</a:t>
             </a:r>
             <a:r>
               <a:rPr lang="fr-FR" dirty="0">
@@ -10399,7 +11767,23 @@
                   <a:schemeClr val="bg1"/>
                 </a:solidFill>
               </a:rPr>
-              <a:t>. Introduction</a:t>
+              <a:t> .</a:t>
+            </a:r>
+            <a:r>
+              <a:rPr lang="fr-FR" dirty="0" err="1">
+                <a:solidFill>
+                  <a:schemeClr val="bg1"/>
+                </a:solidFill>
+              </a:rPr>
+              <a:t>melt</a:t>
+            </a:r>
+            <a:r>
+              <a:rPr lang="fr-FR" dirty="0">
+                <a:solidFill>
+                  <a:schemeClr val="bg1"/>
+                </a:solidFill>
+              </a:rPr>
+              <a:t>()</a:t>
             </a:r>
             <a:endParaRPr lang="en-US" dirty="0">
               <a:solidFill>
@@ -10574,7 +11958,7 @@
 </file>
 
 <file path=ppt/slides/slide5.xml><?xml version="1.0" encoding="utf-8"?>
-<p:sld xmlns:a="http://schemas.openxmlformats.org/drawingml/2006/main" xmlns:r="http://schemas.openxmlformats.org/officeDocument/2006/relationships" xmlns:p="http://schemas.openxmlformats.org/presentationml/2006/main">
+<p:sld xmlns:a="http://schemas.openxmlformats.org/drawingml/2006/main" xmlns:r="http://schemas.openxmlformats.org/officeDocument/2006/relationships" xmlns:p="http://schemas.openxmlformats.org/presentationml/2006/main" show="0">
   <p:cSld>
     <p:spTree>
       <p:nvGrpSpPr>
@@ -10711,12 +12095,20 @@
               </a:lnSpc>
             </a:pPr>
             <a:r>
-              <a:rPr lang="en-US" sz="1800" dirty="0">
+              <a:rPr lang="en-US" sz="1800" b="1" dirty="0">
                 <a:latin typeface="Roboto" panose="02000000000000000000" pitchFamily="2" charset="0"/>
                 <a:ea typeface="Roboto" panose="02000000000000000000" pitchFamily="2" charset="0"/>
                 <a:cs typeface="Roboto" panose="02000000000000000000" pitchFamily="2" charset="0"/>
               </a:rPr>
-              <a:t>United States (US) leading the trend for the past 8 years</a:t>
+              <a:t>United States (US)</a:t>
+            </a:r>
+            <a:r>
+              <a:rPr lang="en-US" sz="1800" dirty="0">
+                <a:latin typeface="Roboto" panose="02000000000000000000" pitchFamily="2" charset="0"/>
+                <a:ea typeface="Roboto" panose="02000000000000000000" pitchFamily="2" charset="0"/>
+                <a:cs typeface="Roboto" panose="02000000000000000000" pitchFamily="2" charset="0"/>
+              </a:rPr>
+              <a:t> leading the trend for the past 8 years</a:t>
             </a:r>
           </a:p>
           <a:p>
@@ -10726,12 +12118,20 @@
               </a:lnSpc>
             </a:pPr>
             <a:r>
-              <a:rPr lang="en-US" dirty="0">
+              <a:rPr lang="en-US" b="1" dirty="0">
                 <a:latin typeface="Roboto" panose="02000000000000000000" pitchFamily="2" charset="0"/>
                 <a:ea typeface="Roboto" panose="02000000000000000000" pitchFamily="2" charset="0"/>
                 <a:cs typeface="Roboto" panose="02000000000000000000" pitchFamily="2" charset="0"/>
               </a:rPr>
-              <a:t>China follows in upward trend after United States</a:t>
+              <a:t>China follows </a:t>
+            </a:r>
+            <a:r>
+              <a:rPr lang="en-US" dirty="0">
+                <a:latin typeface="Roboto" panose="02000000000000000000" pitchFamily="2" charset="0"/>
+                <a:ea typeface="Roboto" panose="02000000000000000000" pitchFamily="2" charset="0"/>
+                <a:cs typeface="Roboto" panose="02000000000000000000" pitchFamily="2" charset="0"/>
+              </a:rPr>
+              <a:t>in upward trend after United States</a:t>
             </a:r>
           </a:p>
           <a:p>
@@ -10746,7 +12146,15 @@
                 <a:ea typeface="Roboto" panose="02000000000000000000" pitchFamily="2" charset="0"/>
                 <a:cs typeface="Roboto" panose="02000000000000000000" pitchFamily="2" charset="0"/>
               </a:rPr>
-              <a:t>Represents how US and China are strongest economies</a:t>
+              <a:t>Represents how </a:t>
+            </a:r>
+            <a:r>
+              <a:rPr lang="en-US" b="1" dirty="0">
+                <a:latin typeface="Roboto" panose="02000000000000000000" pitchFamily="2" charset="0"/>
+                <a:ea typeface="Roboto" panose="02000000000000000000" pitchFamily="2" charset="0"/>
+                <a:cs typeface="Roboto" panose="02000000000000000000" pitchFamily="2" charset="0"/>
+              </a:rPr>
+              <a:t>US and China are strongest economies</a:t>
             </a:r>
           </a:p>
           <a:p>
@@ -10756,12 +12164,20 @@
               </a:lnSpc>
             </a:pPr>
             <a:r>
-              <a:rPr lang="en-US" sz="1800" dirty="0">
+              <a:rPr lang="en-US" sz="1800" b="1" dirty="0">
                 <a:latin typeface="Roboto" panose="02000000000000000000" pitchFamily="2" charset="0"/>
                 <a:ea typeface="Roboto" panose="02000000000000000000" pitchFamily="2" charset="0"/>
                 <a:cs typeface="Roboto" panose="02000000000000000000" pitchFamily="2" charset="0"/>
               </a:rPr>
-              <a:t>Japan shows decreasing trend from 2012-2016</a:t>
+              <a:t>Japan shows decreasing trend</a:t>
+            </a:r>
+            <a:r>
+              <a:rPr lang="en-US" sz="1800" dirty="0">
+                <a:latin typeface="Roboto" panose="02000000000000000000" pitchFamily="2" charset="0"/>
+                <a:ea typeface="Roboto" panose="02000000000000000000" pitchFamily="2" charset="0"/>
+                <a:cs typeface="Roboto" panose="02000000000000000000" pitchFamily="2" charset="0"/>
+              </a:rPr>
+              <a:t> from 2012-2016</a:t>
             </a:r>
           </a:p>
         </p:txBody>
@@ -10946,13 +12362,13 @@
   <p:clrMapOvr>
     <a:masterClrMapping/>
   </p:clrMapOvr>
-  <mc:AlternateContent xmlns:mc="http://schemas.openxmlformats.org/markup-compatibility/2006" xmlns:p14="http://schemas.microsoft.com/office/powerpoint/2010/main">
-    <mc:Choice Requires="p14">
+  <mc:AlternateContent xmlns:mc="http://schemas.openxmlformats.org/markup-compatibility/2006">
+    <mc:Choice xmlns:p14="http://schemas.microsoft.com/office/powerpoint/2010/main" Requires="p14">
       <p:transition spd="med" p14:dur="700">
         <p:fade/>
       </p:transition>
     </mc:Choice>
-    <mc:Fallback xmlns="">
+    <mc:Fallback>
       <p:transition spd="med">
         <p:fade/>
       </p:transition>
@@ -10962,7 +12378,7 @@
 </file>
 
 <file path=ppt/slides/slide6.xml><?xml version="1.0" encoding="utf-8"?>
-<p:sld xmlns:a="http://schemas.openxmlformats.org/drawingml/2006/main" xmlns:r="http://schemas.openxmlformats.org/officeDocument/2006/relationships" xmlns:p="http://schemas.openxmlformats.org/presentationml/2006/main">
+<p:sld xmlns:a="http://schemas.openxmlformats.org/drawingml/2006/main" xmlns:r="http://schemas.openxmlformats.org/officeDocument/2006/relationships" xmlns:p="http://schemas.openxmlformats.org/presentationml/2006/main" show="0">
   <p:cSld>
     <p:spTree>
       <p:nvGrpSpPr>
@@ -11097,12 +12513,20 @@
               </a:lnSpc>
             </a:pPr>
             <a:r>
-              <a:rPr lang="en-US" sz="1800" dirty="0">
+              <a:rPr lang="en-US" sz="1800" b="1" dirty="0">
                 <a:latin typeface="Roboto" panose="02000000000000000000" pitchFamily="2" charset="0"/>
                 <a:ea typeface="Roboto" panose="02000000000000000000" pitchFamily="2" charset="0"/>
                 <a:cs typeface="Roboto" panose="02000000000000000000" pitchFamily="2" charset="0"/>
               </a:rPr>
-              <a:t>Australia shows erratic trend with sharp increase and decrease.</a:t>
+              <a:t>Australia </a:t>
+            </a:r>
+            <a:r>
+              <a:rPr lang="en-US" sz="1800" dirty="0">
+                <a:latin typeface="Roboto" panose="02000000000000000000" pitchFamily="2" charset="0"/>
+                <a:ea typeface="Roboto" panose="02000000000000000000" pitchFamily="2" charset="0"/>
+                <a:cs typeface="Roboto" panose="02000000000000000000" pitchFamily="2" charset="0"/>
+              </a:rPr>
+              <a:t>shows erratic trend with sharp increase and decrease.</a:t>
             </a:r>
           </a:p>
           <a:p>
@@ -11112,12 +12536,20 @@
               </a:lnSpc>
             </a:pPr>
             <a:r>
-              <a:rPr lang="en-US" sz="1800" dirty="0">
+              <a:rPr lang="en-US" sz="1800" b="1" dirty="0">
                 <a:latin typeface="Roboto" panose="02000000000000000000" pitchFamily="2" charset="0"/>
                 <a:ea typeface="Roboto" panose="02000000000000000000" pitchFamily="2" charset="0"/>
                 <a:cs typeface="Roboto" panose="02000000000000000000" pitchFamily="2" charset="0"/>
               </a:rPr>
-              <a:t>US has stable increasing trend.</a:t>
+              <a:t>US </a:t>
+            </a:r>
+            <a:r>
+              <a:rPr lang="en-US" sz="1800" dirty="0">
+                <a:latin typeface="Roboto" panose="02000000000000000000" pitchFamily="2" charset="0"/>
+                <a:ea typeface="Roboto" panose="02000000000000000000" pitchFamily="2" charset="0"/>
+                <a:cs typeface="Roboto" panose="02000000000000000000" pitchFamily="2" charset="0"/>
+              </a:rPr>
+              <a:t>has stable increasing trend.</a:t>
             </a:r>
           </a:p>
           <a:p>
@@ -11127,12 +12559,20 @@
               </a:lnSpc>
             </a:pPr>
             <a:r>
-              <a:rPr lang="en-US" sz="1800" dirty="0">
+              <a:rPr lang="en-US" sz="1800" b="1" dirty="0">
                 <a:latin typeface="Roboto" panose="02000000000000000000" pitchFamily="2" charset="0"/>
                 <a:ea typeface="Roboto" panose="02000000000000000000" pitchFamily="2" charset="0"/>
                 <a:cs typeface="Roboto" panose="02000000000000000000" pitchFamily="2" charset="0"/>
               </a:rPr>
-              <a:t>Japan shows declining trend in 2013.</a:t>
+              <a:t>Japan</a:t>
+            </a:r>
+            <a:r>
+              <a:rPr lang="en-US" sz="1800" dirty="0">
+                <a:latin typeface="Roboto" panose="02000000000000000000" pitchFamily="2" charset="0"/>
+                <a:ea typeface="Roboto" panose="02000000000000000000" pitchFamily="2" charset="0"/>
+                <a:cs typeface="Roboto" panose="02000000000000000000" pitchFamily="2" charset="0"/>
+              </a:rPr>
+              <a:t> shows declining trend in 2013.</a:t>
             </a:r>
           </a:p>
         </p:txBody>
@@ -11278,13 +12718,13 @@
   <p:clrMapOvr>
     <a:masterClrMapping/>
   </p:clrMapOvr>
-  <mc:AlternateContent xmlns:mc="http://schemas.openxmlformats.org/markup-compatibility/2006" xmlns:p14="http://schemas.microsoft.com/office/powerpoint/2010/main">
-    <mc:Choice Requires="p14">
+  <mc:AlternateContent xmlns:mc="http://schemas.openxmlformats.org/markup-compatibility/2006">
+    <mc:Choice xmlns:p14="http://schemas.microsoft.com/office/powerpoint/2010/main" Requires="p14">
       <p:transition spd="med" p14:dur="700">
         <p:fade/>
       </p:transition>
     </mc:Choice>
-    <mc:Fallback xmlns="">
+    <mc:Fallback>
       <p:transition spd="med">
         <p:fade/>
       </p:transition>
@@ -11335,10 +12775,141 @@
       </p:sp>
       <p:sp>
         <p:nvSpPr>
-          <p:cNvPr id="10" name="Content Placeholder 7">
+          <p:cNvPr id="19" name="TextBox 18">
             <a:extLst>
               <a:ext uri="{FF2B5EF4-FFF2-40B4-BE49-F238E27FC236}">
-                <a16:creationId xmlns:a16="http://schemas.microsoft.com/office/drawing/2014/main" id="{439C603C-9DC9-7DA0-75E5-F41A20D5899A}"/>
+                <a16:creationId xmlns:a16="http://schemas.microsoft.com/office/drawing/2014/main" id="{2906F9D1-8821-981E-6F26-7535AB7F5492}"/>
+              </a:ext>
+            </a:extLst>
+          </p:cNvPr>
+          <p:cNvSpPr txBox="1"/>
+          <p:nvPr/>
+        </p:nvSpPr>
+        <p:spPr>
+          <a:xfrm>
+            <a:off x="1548668" y="6600564"/>
+            <a:ext cx="10643332" cy="265009"/>
+          </a:xfrm>
+          <a:prstGeom prst="rect">
+            <a:avLst/>
+          </a:prstGeom>
+          <a:noFill/>
+        </p:spPr>
+        <p:txBody>
+          <a:bodyPr wrap="square" rtlCol="0">
+            <a:spAutoFit/>
+          </a:bodyPr>
+          <a:lstStyle/>
+          <a:p>
+            <a:pPr marL="0" marR="0">
+              <a:lnSpc>
+                <a:spcPct val="107000"/>
+              </a:lnSpc>
+              <a:spcBef>
+                <a:spcPts val="0"/>
+              </a:spcBef>
+              <a:spcAft>
+                <a:spcPts val="800"/>
+              </a:spcAft>
+            </a:pPr>
+            <a:r>
+              <a:rPr lang="en-US" sz="1100" i="1" dirty="0">
+                <a:solidFill>
+                  <a:srgbClr val="202124"/>
+                </a:solidFill>
+                <a:effectLst/>
+                <a:latin typeface="Roboto" panose="02000000000000000000" pitchFamily="2" charset="0"/>
+                <a:ea typeface="Roboto" panose="02000000000000000000" pitchFamily="2" charset="0"/>
+                <a:cs typeface="Roboto" panose="02000000000000000000" pitchFamily="2" charset="0"/>
+              </a:rPr>
+              <a:t>Source</a:t>
+            </a:r>
+            <a:r>
+              <a:rPr lang="en-US" sz="1100" i="1" dirty="0">
+                <a:latin typeface="Roboto" panose="02000000000000000000" pitchFamily="2" charset="0"/>
+                <a:ea typeface="Roboto" panose="02000000000000000000" pitchFamily="2" charset="0"/>
+                <a:cs typeface="Roboto" panose="02000000000000000000" pitchFamily="2" charset="0"/>
+              </a:rPr>
+              <a:t> :  https://ourworldindata.org/co2-emissions</a:t>
+            </a:r>
+          </a:p>
+        </p:txBody>
+      </p:sp>
+      <p:sp>
+        <p:nvSpPr>
+          <p:cNvPr id="21" name="Title 20">
+            <a:extLst>
+              <a:ext uri="{FF2B5EF4-FFF2-40B4-BE49-F238E27FC236}">
+                <a16:creationId xmlns:a16="http://schemas.microsoft.com/office/drawing/2014/main" id="{818278CB-5272-3008-AF37-168E7BB3FB07}"/>
+              </a:ext>
+            </a:extLst>
+          </p:cNvPr>
+          <p:cNvSpPr>
+            <a:spLocks noGrp="1"/>
+          </p:cNvSpPr>
+          <p:nvPr>
+            <p:ph type="title"/>
+          </p:nvPr>
+        </p:nvSpPr>
+        <p:spPr/>
+        <p:txBody>
+          <a:bodyPr/>
+          <a:lstStyle/>
+          <a:p>
+            <a:r>
+              <a:rPr lang="en-US" dirty="0"/>
+              <a:t>Cement Carbon Footprint</a:t>
+            </a:r>
+          </a:p>
+        </p:txBody>
+      </p:sp>
+      <p:pic>
+        <p:nvPicPr>
+          <p:cNvPr id="22" name="Content Placeholder 10" descr="Chart, line chart&#10;&#10;Description automatically generated">
+            <a:extLst>
+              <a:ext uri="{FF2B5EF4-FFF2-40B4-BE49-F238E27FC236}">
+                <a16:creationId xmlns:a16="http://schemas.microsoft.com/office/drawing/2014/main" id="{C9AA4A38-BBCE-009B-3801-4988B6745932}"/>
+              </a:ext>
+            </a:extLst>
+          </p:cNvPr>
+          <p:cNvPicPr>
+            <a:picLocks noChangeAspect="1"/>
+          </p:cNvPicPr>
+          <p:nvPr/>
+        </p:nvPicPr>
+        <p:blipFill>
+          <a:blip r:embed="rId2">
+            <a:extLst>
+              <a:ext uri="{28A0092B-C50C-407E-A947-70E740481C1C}">
+                <a14:useLocalDpi xmlns:a14="http://schemas.microsoft.com/office/drawing/2010/main" val="0"/>
+              </a:ext>
+            </a:extLst>
+          </a:blip>
+          <a:stretch>
+            <a:fillRect/>
+          </a:stretch>
+        </p:blipFill>
+        <p:spPr>
+          <a:xfrm>
+            <a:off x="4839656" y="2097308"/>
+            <a:ext cx="6382937" cy="3865601"/>
+          </a:xfrm>
+          <a:prstGeom prst="rect">
+            <a:avLst/>
+          </a:prstGeom>
+          <a:ln w="12700">
+            <a:solidFill>
+              <a:schemeClr val="tx2"/>
+            </a:solidFill>
+          </a:ln>
+        </p:spPr>
+      </p:pic>
+      <p:sp>
+        <p:nvSpPr>
+          <p:cNvPr id="2" name="Content Placeholder 7">
+            <a:extLst>
+              <a:ext uri="{FF2B5EF4-FFF2-40B4-BE49-F238E27FC236}">
+                <a16:creationId xmlns:a16="http://schemas.microsoft.com/office/drawing/2014/main" id="{A250DEEB-E244-6C4D-4F1B-CD0AB3042C81}"/>
               </a:ext>
             </a:extLst>
           </p:cNvPr>
@@ -11349,15 +12920,15 @@
         </p:nvSpPr>
         <p:spPr>
           <a:xfrm>
-            <a:off x="1261872" y="1703117"/>
-            <a:ext cx="9729228" cy="646672"/>
+            <a:off x="1261872" y="1947672"/>
+            <a:ext cx="3563522" cy="4229297"/>
           </a:xfrm>
           <a:prstGeom prst="rect">
             <a:avLst/>
           </a:prstGeom>
         </p:spPr>
         <p:txBody>
-          <a:bodyPr vert="horz" lIns="91440" tIns="45720" rIns="91440" bIns="45720" rtlCol="0">
+          <a:bodyPr>
             <a:normAutofit/>
           </a:bodyPr>
           <a:lstStyle>
@@ -11525,7 +13096,7 @@
             </a:lvl9pPr>
           </a:lstStyle>
           <a:p>
-            <a:pPr marL="0" indent="0" algn="ctr">
+            <a:pPr marL="0" indent="0">
               <a:lnSpc>
                 <a:spcPct val="150000"/>
               </a:lnSpc>
@@ -11533,146 +13104,97 @@
               <a:buNone/>
             </a:pPr>
             <a:r>
-              <a:rPr lang="en-US" sz="1600" b="1" i="1" u="sng" dirty="0">
+              <a:rPr lang="en-US" sz="2000" b="1" i="1" u="sng" dirty="0">
                 <a:latin typeface="Roboto" panose="02000000000000000000" pitchFamily="2" charset="0"/>
                 <a:ea typeface="Roboto" panose="02000000000000000000" pitchFamily="2" charset="0"/>
                 <a:cs typeface="Roboto" panose="02000000000000000000" pitchFamily="2" charset="0"/>
               </a:rPr>
-              <a:t>Q: Question?</a:t>
-            </a:r>
-            <a:endParaRPr lang="en-US" sz="1600" u="sng" dirty="0">
+              <a:t>Q: Are the most populated countries the worst polluters?</a:t>
+            </a:r>
+            <a:endParaRPr lang="en-US" sz="2000" u="sng" dirty="0">
               <a:latin typeface="Roboto" panose="02000000000000000000" pitchFamily="2" charset="0"/>
               <a:ea typeface="Roboto" panose="02000000000000000000" pitchFamily="2" charset="0"/>
               <a:cs typeface="Roboto" panose="02000000000000000000" pitchFamily="2" charset="0"/>
             </a:endParaRPr>
           </a:p>
+          <a:p>
+            <a:pPr>
+              <a:lnSpc>
+                <a:spcPct val="150000"/>
+              </a:lnSpc>
+            </a:pPr>
+            <a:r>
+              <a:rPr lang="en-US" sz="1600" b="1" dirty="0">
+                <a:latin typeface="Roboto" panose="02000000000000000000" pitchFamily="2" charset="0"/>
+                <a:ea typeface="Roboto" panose="02000000000000000000" pitchFamily="2" charset="0"/>
+                <a:cs typeface="Roboto" panose="02000000000000000000" pitchFamily="2" charset="0"/>
+              </a:rPr>
+              <a:t>China has the highest </a:t>
+            </a:r>
+            <a:r>
+              <a:rPr lang="en-US" sz="1600" dirty="0">
+                <a:latin typeface="Roboto" panose="02000000000000000000" pitchFamily="2" charset="0"/>
+                <a:ea typeface="Roboto" panose="02000000000000000000" pitchFamily="2" charset="0"/>
+                <a:cs typeface="Roboto" panose="02000000000000000000" pitchFamily="2" charset="0"/>
+              </a:rPr>
+              <a:t>cement carbon footprint.</a:t>
+            </a:r>
+          </a:p>
+          <a:p>
+            <a:pPr>
+              <a:lnSpc>
+                <a:spcPct val="150000"/>
+              </a:lnSpc>
+            </a:pPr>
+            <a:r>
+              <a:rPr lang="en-US" sz="1600" b="1" dirty="0">
+                <a:latin typeface="Roboto" panose="02000000000000000000" pitchFamily="2" charset="0"/>
+                <a:ea typeface="Roboto" panose="02000000000000000000" pitchFamily="2" charset="0"/>
+                <a:cs typeface="Roboto" panose="02000000000000000000" pitchFamily="2" charset="0"/>
+              </a:rPr>
+              <a:t>Israel has the 2nd highest </a:t>
+            </a:r>
+            <a:r>
+              <a:rPr lang="en-US" sz="1600" dirty="0">
+                <a:latin typeface="Roboto" panose="02000000000000000000" pitchFamily="2" charset="0"/>
+                <a:ea typeface="Roboto" panose="02000000000000000000" pitchFamily="2" charset="0"/>
+                <a:cs typeface="Roboto" panose="02000000000000000000" pitchFamily="2" charset="0"/>
+              </a:rPr>
+              <a:t>cement carbon footprint.</a:t>
+            </a:r>
+          </a:p>
+          <a:p>
+            <a:pPr lvl="1">
+              <a:lnSpc>
+                <a:spcPct val="150000"/>
+              </a:lnSpc>
+            </a:pPr>
+            <a:r>
+              <a:rPr lang="en-US" sz="1400" dirty="0">
+                <a:latin typeface="Roboto" panose="02000000000000000000" pitchFamily="2" charset="0"/>
+                <a:ea typeface="Roboto" panose="02000000000000000000" pitchFamily="2" charset="0"/>
+                <a:cs typeface="Roboto" panose="02000000000000000000" pitchFamily="2" charset="0"/>
+              </a:rPr>
+              <a:t>Israel’s cement carbon footprint is decreasing </a:t>
+            </a:r>
+          </a:p>
+          <a:p>
+            <a:pPr lvl="1">
+              <a:lnSpc>
+                <a:spcPct val="150000"/>
+              </a:lnSpc>
+            </a:pPr>
+            <a:r>
+              <a:rPr lang="en-US" sz="1400" dirty="0">
+                <a:latin typeface="Roboto" panose="02000000000000000000" pitchFamily="2" charset="0"/>
+                <a:ea typeface="Roboto" panose="02000000000000000000" pitchFamily="2" charset="0"/>
+                <a:cs typeface="Roboto" panose="02000000000000000000" pitchFamily="2" charset="0"/>
+              </a:rPr>
+              <a:t>If it continues, it will go below Japan</a:t>
+            </a:r>
+          </a:p>
         </p:txBody>
       </p:sp>
-      <p:sp>
-        <p:nvSpPr>
-          <p:cNvPr id="19" name="TextBox 18">
-            <a:extLst>
-              <a:ext uri="{FF2B5EF4-FFF2-40B4-BE49-F238E27FC236}">
-                <a16:creationId xmlns:a16="http://schemas.microsoft.com/office/drawing/2014/main" id="{2906F9D1-8821-981E-6F26-7535AB7F5492}"/>
-              </a:ext>
-            </a:extLst>
-          </p:cNvPr>
-          <p:cNvSpPr txBox="1"/>
-          <p:nvPr/>
-        </p:nvSpPr>
-        <p:spPr>
-          <a:xfrm>
-            <a:off x="1548668" y="6600564"/>
-            <a:ext cx="10643332" cy="265009"/>
-          </a:xfrm>
-          <a:prstGeom prst="rect">
-            <a:avLst/>
-          </a:prstGeom>
-          <a:noFill/>
-        </p:spPr>
-        <p:txBody>
-          <a:bodyPr wrap="square" rtlCol="0">
-            <a:spAutoFit/>
-          </a:bodyPr>
-          <a:lstStyle/>
-          <a:p>
-            <a:pPr marL="0" marR="0">
-              <a:lnSpc>
-                <a:spcPct val="107000"/>
-              </a:lnSpc>
-              <a:spcBef>
-                <a:spcPts val="0"/>
-              </a:spcBef>
-              <a:spcAft>
-                <a:spcPts val="800"/>
-              </a:spcAft>
-            </a:pPr>
-            <a:r>
-              <a:rPr lang="en-US" sz="1100" i="1" dirty="0">
-                <a:solidFill>
-                  <a:srgbClr val="202124"/>
-                </a:solidFill>
-                <a:effectLst/>
-                <a:latin typeface="Roboto" panose="02000000000000000000" pitchFamily="2" charset="0"/>
-              </a:rPr>
-              <a:t>Source</a:t>
-            </a:r>
-            <a:r>
-              <a:rPr lang="en-US" sz="1100" i="1" dirty="0"/>
-              <a:t> :  https://ourworldindata.org/co2-emissions</a:t>
-            </a:r>
-          </a:p>
-        </p:txBody>
-      </p:sp>
-      <p:sp>
-        <p:nvSpPr>
-          <p:cNvPr id="21" name="Title 20">
-            <a:extLst>
-              <a:ext uri="{FF2B5EF4-FFF2-40B4-BE49-F238E27FC236}">
-                <a16:creationId xmlns:a16="http://schemas.microsoft.com/office/drawing/2014/main" id="{818278CB-5272-3008-AF37-168E7BB3FB07}"/>
-              </a:ext>
-            </a:extLst>
-          </p:cNvPr>
-          <p:cNvSpPr>
-            <a:spLocks noGrp="1"/>
-          </p:cNvSpPr>
-          <p:nvPr>
-            <p:ph type="title"/>
-          </p:nvPr>
-        </p:nvSpPr>
-        <p:spPr/>
-        <p:txBody>
-          <a:bodyPr/>
-          <a:lstStyle/>
-          <a:p>
-            <a:r>
-              <a:rPr lang="en-US" dirty="0"/>
-              <a:t>Impact of Cement CO2 Per Capita</a:t>
-            </a:r>
-          </a:p>
-        </p:txBody>
-      </p:sp>
-      <p:pic>
-        <p:nvPicPr>
-          <p:cNvPr id="22" name="Content Placeholder 10" descr="Chart, line chart&#10;&#10;Description automatically generated">
-            <a:extLst>
-              <a:ext uri="{FF2B5EF4-FFF2-40B4-BE49-F238E27FC236}">
-                <a16:creationId xmlns:a16="http://schemas.microsoft.com/office/drawing/2014/main" id="{C9AA4A38-BBCE-009B-3801-4988B6745932}"/>
-              </a:ext>
-            </a:extLst>
-          </p:cNvPr>
-          <p:cNvPicPr>
-            <a:picLocks noChangeAspect="1"/>
-          </p:cNvPicPr>
-          <p:nvPr/>
-        </p:nvPicPr>
-        <p:blipFill>
-          <a:blip r:embed="rId2">
-            <a:extLst>
-              <a:ext uri="{28A0092B-C50C-407E-A947-70E740481C1C}">
-                <a14:useLocalDpi xmlns:a14="http://schemas.microsoft.com/office/drawing/2010/main" val="0"/>
-              </a:ext>
-            </a:extLst>
-          </a:blip>
-          <a:stretch>
-            <a:fillRect/>
-          </a:stretch>
-        </p:blipFill>
-        <p:spPr>
-          <a:xfrm>
-            <a:off x="2904531" y="2542376"/>
-            <a:ext cx="6382937" cy="3865601"/>
-          </a:xfrm>
-          <a:prstGeom prst="rect">
-            <a:avLst/>
-          </a:prstGeom>
-          <a:ln w="12700">
-            <a:solidFill>
-              <a:schemeClr val="tx2"/>
-            </a:solidFill>
-          </a:ln>
-        </p:spPr>
-      </p:pic>
     </p:spTree>
     <p:extLst>
       <p:ext uri="{BB962C8B-B14F-4D97-AF65-F5344CB8AC3E}">
@@ -11744,7 +13266,7 @@
             </a:br>
             <a:r>
               <a:rPr lang="en-US" sz="1600" i="1" dirty="0"/>
-              <a:t>Density Locations and Over time</a:t>
+              <a:t>Density Locations and Over Time</a:t>
             </a:r>
             <a:endParaRPr lang="en-US" i="1" dirty="0"/>
           </a:p>
@@ -12003,7 +13525,7 @@
           <p:nvPr/>
         </p:nvPicPr>
         <p:blipFill>
-          <a:blip r:embed="rId2">
+          <a:blip r:embed="rId3">
             <a:extLst>
               <a:ext uri="{28A0092B-C50C-407E-A947-70E740481C1C}">
                 <a14:useLocalDpi xmlns:a14="http://schemas.microsoft.com/office/drawing/2010/main" val="0"/>
@@ -12016,7 +13538,7 @@
         </p:blipFill>
         <p:spPr>
           <a:xfrm>
-            <a:off x="1410026" y="2402672"/>
+            <a:off x="974086" y="2402672"/>
             <a:ext cx="5294653" cy="1875189"/>
           </a:xfrm>
           <a:prstGeom prst="rect">
@@ -12039,42 +13561,6 @@
           <p:nvPr/>
         </p:nvPicPr>
         <p:blipFill>
-          <a:blip r:embed="rId3">
-            <a:extLst>
-              <a:ext uri="{28A0092B-C50C-407E-A947-70E740481C1C}">
-                <a14:useLocalDpi xmlns:a14="http://schemas.microsoft.com/office/drawing/2010/main" val="0"/>
-              </a:ext>
-            </a:extLst>
-          </a:blip>
-          <a:stretch>
-            <a:fillRect/>
-          </a:stretch>
-        </p:blipFill>
-        <p:spPr>
-          <a:xfrm>
-            <a:off x="1410027" y="4622527"/>
-            <a:ext cx="5294652" cy="1875189"/>
-          </a:xfrm>
-          <a:prstGeom prst="rect">
-            <a:avLst/>
-          </a:prstGeom>
-        </p:spPr>
-      </p:pic>
-      <p:pic>
-        <p:nvPicPr>
-          <p:cNvPr id="16" name="Picture 15" descr="Chart, line chart&#10;&#10;Description automatically generated">
-            <a:extLst>
-              <a:ext uri="{FF2B5EF4-FFF2-40B4-BE49-F238E27FC236}">
-                <a16:creationId xmlns:a16="http://schemas.microsoft.com/office/drawing/2014/main" id="{614A2E06-6FFD-F5A4-4551-812F80D04F39}"/>
-              </a:ext>
-            </a:extLst>
-          </p:cNvPr>
-          <p:cNvPicPr>
-            <a:picLocks noChangeAspect="1"/>
-          </p:cNvPicPr>
-          <p:nvPr/>
-        </p:nvPicPr>
-        <p:blipFill>
           <a:blip r:embed="rId4">
             <a:extLst>
               <a:ext uri="{28A0092B-C50C-407E-A947-70E740481C1C}">
@@ -12088,44 +13574,8 @@
         </p:blipFill>
         <p:spPr>
           <a:xfrm>
-            <a:off x="6789846" y="2402160"/>
-            <a:ext cx="3610961" cy="1992865"/>
-          </a:xfrm>
-          <a:prstGeom prst="rect">
-            <a:avLst/>
-          </a:prstGeom>
-        </p:spPr>
-      </p:pic>
-      <p:pic>
-        <p:nvPicPr>
-          <p:cNvPr id="17" name="Picture 16" descr="Chart, line chart">
-            <a:extLst>
-              <a:ext uri="{FF2B5EF4-FFF2-40B4-BE49-F238E27FC236}">
-                <a16:creationId xmlns:a16="http://schemas.microsoft.com/office/drawing/2014/main" id="{E4620624-8C70-5B2F-6BF1-468AD696BDC5}"/>
-              </a:ext>
-            </a:extLst>
-          </p:cNvPr>
-          <p:cNvPicPr>
-            <a:picLocks noChangeAspect="1"/>
-          </p:cNvPicPr>
-          <p:nvPr/>
-        </p:nvPicPr>
-        <p:blipFill>
-          <a:blip r:embed="rId5">
-            <a:extLst>
-              <a:ext uri="{28A0092B-C50C-407E-A947-70E740481C1C}">
-                <a14:useLocalDpi xmlns:a14="http://schemas.microsoft.com/office/drawing/2010/main" val="0"/>
-              </a:ext>
-            </a:extLst>
-          </a:blip>
-          <a:stretch>
-            <a:fillRect/>
-          </a:stretch>
-        </p:blipFill>
-        <p:spPr>
-          <a:xfrm>
-            <a:off x="6789846" y="4489715"/>
-            <a:ext cx="3871644" cy="2008001"/>
+            <a:off x="974087" y="4622527"/>
+            <a:ext cx="5294652" cy="1875189"/>
           </a:xfrm>
           <a:prstGeom prst="rect">
             <a:avLst/>
@@ -12178,16 +13628,218 @@
                 </a:solidFill>
                 <a:effectLst/>
                 <a:latin typeface="Roboto" panose="02000000000000000000" pitchFamily="2" charset="0"/>
+                <a:ea typeface="Roboto" panose="02000000000000000000" pitchFamily="2" charset="0"/>
+                <a:cs typeface="Roboto" panose="02000000000000000000" pitchFamily="2" charset="0"/>
               </a:rPr>
               <a:t>Source</a:t>
             </a:r>
             <a:r>
-              <a:rPr lang="en-US" sz="1100" i="1" dirty="0"/>
+              <a:rPr lang="en-US" sz="1100" i="1" dirty="0">
+                <a:latin typeface="Roboto" panose="02000000000000000000" pitchFamily="2" charset="0"/>
+                <a:ea typeface="Roboto" panose="02000000000000000000" pitchFamily="2" charset="0"/>
+                <a:cs typeface="Roboto" panose="02000000000000000000" pitchFamily="2" charset="0"/>
+              </a:rPr>
               <a:t> :  https://ourworldindata.org/co2-emissions</a:t>
             </a:r>
           </a:p>
         </p:txBody>
       </p:sp>
+      <p:grpSp>
+        <p:nvGrpSpPr>
+          <p:cNvPr id="3" name="Group 2">
+            <a:extLst>
+              <a:ext uri="{FF2B5EF4-FFF2-40B4-BE49-F238E27FC236}">
+                <a16:creationId xmlns:a16="http://schemas.microsoft.com/office/drawing/2014/main" id="{7CE44E8E-7438-A437-7E2D-A94365C7D2F0}"/>
+              </a:ext>
+            </a:extLst>
+          </p:cNvPr>
+          <p:cNvGrpSpPr/>
+          <p:nvPr/>
+        </p:nvGrpSpPr>
+        <p:grpSpPr>
+          <a:xfrm>
+            <a:off x="6268739" y="2349789"/>
+            <a:ext cx="4790635" cy="4102814"/>
+            <a:chOff x="6704679" y="2349789"/>
+            <a:chExt cx="4790635" cy="4102814"/>
+          </a:xfrm>
+        </p:grpSpPr>
+        <p:pic>
+          <p:nvPicPr>
+            <p:cNvPr id="4" name="Picture 3" descr="Chart, line chart">
+              <a:extLst>
+                <a:ext uri="{FF2B5EF4-FFF2-40B4-BE49-F238E27FC236}">
+                  <a16:creationId xmlns:a16="http://schemas.microsoft.com/office/drawing/2014/main" id="{856F9FCE-3D2E-40BF-0A2A-E2FD0685746B}"/>
+                </a:ext>
+              </a:extLst>
+            </p:cNvPr>
+            <p:cNvPicPr>
+              <a:picLocks noChangeAspect="1"/>
+            </p:cNvPicPr>
+            <p:nvPr/>
+          </p:nvPicPr>
+          <p:blipFill>
+            <a:blip r:embed="rId5">
+              <a:extLst>
+                <a:ext uri="{28A0092B-C50C-407E-A947-70E740481C1C}">
+                  <a14:useLocalDpi xmlns:a14="http://schemas.microsoft.com/office/drawing/2010/main" val="0"/>
+                </a:ext>
+              </a:extLst>
+            </a:blip>
+            <a:stretch>
+              <a:fillRect/>
+            </a:stretch>
+          </p:blipFill>
+          <p:spPr>
+            <a:xfrm>
+              <a:off x="6704679" y="4622527"/>
+              <a:ext cx="3913557" cy="1830076"/>
+            </a:xfrm>
+            <a:prstGeom prst="rect">
+              <a:avLst/>
+            </a:prstGeom>
+            <a:noFill/>
+          </p:spPr>
+        </p:pic>
+        <p:pic>
+          <p:nvPicPr>
+            <p:cNvPr id="6" name="Picture 5" descr="Chart, line chart">
+              <a:extLst>
+                <a:ext uri="{FF2B5EF4-FFF2-40B4-BE49-F238E27FC236}">
+                  <a16:creationId xmlns:a16="http://schemas.microsoft.com/office/drawing/2014/main" id="{DABD1374-E0A8-F46F-DD3C-0B368249A3AF}"/>
+                </a:ext>
+              </a:extLst>
+            </p:cNvPr>
+            <p:cNvPicPr>
+              <a:picLocks noChangeAspect="1"/>
+            </p:cNvPicPr>
+            <p:nvPr/>
+          </p:nvPicPr>
+          <p:blipFill>
+            <a:blip r:embed="rId6">
+              <a:extLst>
+                <a:ext uri="{28A0092B-C50C-407E-A947-70E740481C1C}">
+                  <a14:useLocalDpi xmlns:a14="http://schemas.microsoft.com/office/drawing/2010/main" val="0"/>
+                </a:ext>
+              </a:extLst>
+            </a:blip>
+            <a:stretch>
+              <a:fillRect/>
+            </a:stretch>
+          </p:blipFill>
+          <p:spPr>
+            <a:xfrm>
+              <a:off x="6704679" y="2349789"/>
+              <a:ext cx="4790635" cy="2158423"/>
+            </a:xfrm>
+            <a:prstGeom prst="rect">
+              <a:avLst/>
+            </a:prstGeom>
+          </p:spPr>
+        </p:pic>
+        <p:sp>
+          <p:nvSpPr>
+            <p:cNvPr id="7" name="Rectangle 6">
+              <a:extLst>
+                <a:ext uri="{FF2B5EF4-FFF2-40B4-BE49-F238E27FC236}">
+                  <a16:creationId xmlns:a16="http://schemas.microsoft.com/office/drawing/2014/main" id="{63CBF849-A878-18C7-9A4D-DD8B5E97C733}"/>
+                </a:ext>
+              </a:extLst>
+            </p:cNvPr>
+            <p:cNvSpPr/>
+            <p:nvPr/>
+          </p:nvSpPr>
+          <p:spPr>
+            <a:xfrm>
+              <a:off x="7287208" y="3741576"/>
+              <a:ext cx="2948474" cy="447869"/>
+            </a:xfrm>
+            <a:prstGeom prst="rect">
+              <a:avLst/>
+            </a:prstGeom>
+            <a:solidFill>
+              <a:srgbClr val="FFFF00">
+                <a:alpha val="25000"/>
+              </a:srgbClr>
+            </a:solidFill>
+          </p:spPr>
+          <p:style>
+            <a:lnRef idx="2">
+              <a:schemeClr val="accent1">
+                <a:shade val="50000"/>
+              </a:schemeClr>
+            </a:lnRef>
+            <a:fillRef idx="1">
+              <a:schemeClr val="accent1"/>
+            </a:fillRef>
+            <a:effectRef idx="0">
+              <a:schemeClr val="accent1"/>
+            </a:effectRef>
+            <a:fontRef idx="minor">
+              <a:schemeClr val="lt1"/>
+            </a:fontRef>
+          </p:style>
+          <p:txBody>
+            <a:bodyPr rtlCol="0" anchor="ctr"/>
+            <a:lstStyle/>
+            <a:p>
+              <a:pPr algn="ctr"/>
+              <a:endParaRPr lang="en-US"/>
+            </a:p>
+          </p:txBody>
+        </p:sp>
+        <p:sp>
+          <p:nvSpPr>
+            <p:cNvPr id="8" name="Rectangle 7">
+              <a:extLst>
+                <a:ext uri="{FF2B5EF4-FFF2-40B4-BE49-F238E27FC236}">
+                  <a16:creationId xmlns:a16="http://schemas.microsoft.com/office/drawing/2014/main" id="{388A1664-B444-D064-EFA7-BB32427D5CB1}"/>
+                </a:ext>
+              </a:extLst>
+            </p:cNvPr>
+            <p:cNvSpPr/>
+            <p:nvPr/>
+          </p:nvSpPr>
+          <p:spPr>
+            <a:xfrm>
+              <a:off x="7193902" y="4758612"/>
+              <a:ext cx="3107094" cy="1492613"/>
+            </a:xfrm>
+            <a:prstGeom prst="rect">
+              <a:avLst/>
+            </a:prstGeom>
+            <a:solidFill>
+              <a:srgbClr val="FFFF00">
+                <a:alpha val="25000"/>
+              </a:srgbClr>
+            </a:solidFill>
+          </p:spPr>
+          <p:style>
+            <a:lnRef idx="2">
+              <a:schemeClr val="accent1">
+                <a:shade val="50000"/>
+              </a:schemeClr>
+            </a:lnRef>
+            <a:fillRef idx="1">
+              <a:schemeClr val="accent1"/>
+            </a:fillRef>
+            <a:effectRef idx="0">
+              <a:schemeClr val="accent1"/>
+            </a:effectRef>
+            <a:fontRef idx="minor">
+              <a:schemeClr val="lt1"/>
+            </a:fontRef>
+          </p:style>
+          <p:txBody>
+            <a:bodyPr rtlCol="0" anchor="ctr"/>
+            <a:lstStyle/>
+            <a:p>
+              <a:pPr algn="ctr"/>
+              <a:endParaRPr lang="en-US"/>
+            </a:p>
+          </p:txBody>
+        </p:sp>
+      </p:grpSp>
     </p:spTree>
     <p:extLst>
       <p:ext uri="{BB962C8B-B14F-4D97-AF65-F5344CB8AC3E}">
@@ -12232,28 +13884,6 @@
       </p:grpSpPr>
       <p:sp>
         <p:nvSpPr>
-          <p:cNvPr id="2" name="Title 1"/>
-          <p:cNvSpPr>
-            <a:spLocks noGrp="1"/>
-          </p:cNvSpPr>
-          <p:nvPr>
-            <p:ph type="title"/>
-          </p:nvPr>
-        </p:nvSpPr>
-        <p:spPr/>
-        <p:txBody>
-          <a:bodyPr/>
-          <a:lstStyle/>
-          <a:p>
-            <a:r>
-              <a:rPr lang="en-US" dirty="0"/>
-              <a:t>Life Expectancy at Birth</a:t>
-            </a:r>
-          </a:p>
-        </p:txBody>
-      </p:sp>
-      <p:sp>
-        <p:nvSpPr>
           <p:cNvPr id="5" name="Slide Number Placeholder 4"/>
           <p:cNvSpPr>
             <a:spLocks noGrp="1"/>
@@ -12275,47 +13905,6 @@
           </a:p>
         </p:txBody>
       </p:sp>
-      <p:pic>
-        <p:nvPicPr>
-          <p:cNvPr id="12" name="Picture 11" descr="Chart, scatter chart&#10;&#10;Description automatically generated">
-            <a:extLst>
-              <a:ext uri="{FF2B5EF4-FFF2-40B4-BE49-F238E27FC236}">
-                <a16:creationId xmlns:a16="http://schemas.microsoft.com/office/drawing/2014/main" id="{A6479FE1-57F8-FD61-3928-3F3B3B143BAB}"/>
-              </a:ext>
-            </a:extLst>
-          </p:cNvPr>
-          <p:cNvPicPr>
-            <a:picLocks noChangeAspect="1"/>
-          </p:cNvPicPr>
-          <p:nvPr/>
-        </p:nvPicPr>
-        <p:blipFill>
-          <a:blip r:embed="rId2">
-            <a:extLst>
-              <a:ext uri="{28A0092B-C50C-407E-A947-70E740481C1C}">
-                <a14:useLocalDpi xmlns:a14="http://schemas.microsoft.com/office/drawing/2010/main" val="0"/>
-              </a:ext>
-            </a:extLst>
-          </a:blip>
-          <a:stretch>
-            <a:fillRect/>
-          </a:stretch>
-        </p:blipFill>
-        <p:spPr>
-          <a:xfrm>
-            <a:off x="5138928" y="1947672"/>
-            <a:ext cx="5852172" cy="4389129"/>
-          </a:xfrm>
-          <a:prstGeom prst="rect">
-            <a:avLst/>
-          </a:prstGeom>
-          <a:ln w="12700">
-            <a:solidFill>
-              <a:schemeClr val="tx2"/>
-            </a:solidFill>
-          </a:ln>
-        </p:spPr>
-      </p:pic>
       <p:sp>
         <p:nvSpPr>
           <p:cNvPr id="4" name="Content Placeholder 7">
@@ -12333,7 +13922,7 @@
         <p:spPr>
           <a:xfrm>
             <a:off x="1261872" y="1947672"/>
-            <a:ext cx="3563522" cy="4229297"/>
+            <a:ext cx="3756442" cy="4910328"/>
           </a:xfrm>
           <a:prstGeom prst="rect">
             <a:avLst/>
@@ -12341,7 +13930,7 @@
         </p:spPr>
         <p:txBody>
           <a:bodyPr vert="horz" lIns="91440" tIns="45720" rIns="91440" bIns="45720" rtlCol="0">
-            <a:normAutofit fontScale="77500" lnSpcReduction="20000"/>
+            <a:normAutofit fontScale="47500" lnSpcReduction="20000"/>
           </a:bodyPr>
           <a:lstStyle>
             <a:lvl1pPr marL="210312" indent="-210312" algn="l" defTabSz="914400" rtl="0" eaLnBrk="1" latinLnBrk="0" hangingPunct="1">
@@ -12521,13 +14110,8 @@
                 <a:ea typeface="Roboto" panose="02000000000000000000" pitchFamily="2" charset="0"/>
                 <a:cs typeface="Roboto" panose="02000000000000000000" pitchFamily="2" charset="0"/>
               </a:rPr>
-              <a:t>Q: Question?</a:t>
-            </a:r>
-            <a:endParaRPr lang="en-US" sz="2300" u="sng" dirty="0">
-              <a:latin typeface="Roboto" panose="02000000000000000000" pitchFamily="2" charset="0"/>
-              <a:ea typeface="Roboto" panose="02000000000000000000" pitchFamily="2" charset="0"/>
-              <a:cs typeface="Roboto" panose="02000000000000000000" pitchFamily="2" charset="0"/>
-            </a:endParaRPr>
+              <a:t>Q: Does increasing population increase CO2 release?</a:t>
+            </a:r>
           </a:p>
           <a:p>
             <a:pPr>
@@ -12541,8 +14125,105 @@
                 <a:ea typeface="Roboto" panose="02000000000000000000" pitchFamily="2" charset="0"/>
                 <a:cs typeface="Roboto" panose="02000000000000000000" pitchFamily="2" charset="0"/>
               </a:rPr>
-              <a:t>Mean = 76.44 years</a:t>
-            </a:r>
+              <a:t>While population increase does increase CO2 emissions, there </a:t>
+            </a:r>
+            <a:r>
+              <a:rPr lang="en-US" sz="2300" b="1" dirty="0">
+                <a:latin typeface="Roboto" panose="02000000000000000000" pitchFamily="2" charset="0"/>
+                <a:ea typeface="Roboto" panose="02000000000000000000" pitchFamily="2" charset="0"/>
+                <a:cs typeface="Roboto" panose="02000000000000000000" pitchFamily="2" charset="0"/>
+              </a:rPr>
+              <a:t>are many factors to consider</a:t>
+            </a:r>
+            <a:r>
+              <a:rPr lang="en-US" sz="2300" dirty="0">
+                <a:latin typeface="Roboto" panose="02000000000000000000" pitchFamily="2" charset="0"/>
+                <a:ea typeface="Roboto" panose="02000000000000000000" pitchFamily="2" charset="0"/>
+                <a:cs typeface="Roboto" panose="02000000000000000000" pitchFamily="2" charset="0"/>
+              </a:rPr>
+              <a:t>:</a:t>
+            </a:r>
+          </a:p>
+          <a:p>
+            <a:pPr lvl="1">
+              <a:lnSpc>
+                <a:spcPct val="160000"/>
+              </a:lnSpc>
+            </a:pPr>
+            <a:r>
+              <a:rPr lang="en-US" sz="1900" dirty="0">
+                <a:latin typeface="Roboto" panose="02000000000000000000" pitchFamily="2" charset="0"/>
+                <a:ea typeface="Roboto" panose="02000000000000000000" pitchFamily="2" charset="0"/>
+                <a:cs typeface="Roboto" panose="02000000000000000000" pitchFamily="2" charset="0"/>
+              </a:rPr>
+              <a:t>People and animals (farming)</a:t>
+            </a:r>
+          </a:p>
+          <a:p>
+            <a:pPr lvl="1">
+              <a:lnSpc>
+                <a:spcPct val="160000"/>
+              </a:lnSpc>
+            </a:pPr>
+            <a:r>
+              <a:rPr lang="en-US" sz="1900" dirty="0">
+                <a:latin typeface="Roboto" panose="02000000000000000000" pitchFamily="2" charset="0"/>
+                <a:ea typeface="Roboto" panose="02000000000000000000" pitchFamily="2" charset="0"/>
+                <a:cs typeface="Roboto" panose="02000000000000000000" pitchFamily="2" charset="0"/>
+              </a:rPr>
+              <a:t>Heating and cooling</a:t>
+            </a:r>
+          </a:p>
+          <a:p>
+            <a:pPr lvl="1">
+              <a:lnSpc>
+                <a:spcPct val="160000"/>
+              </a:lnSpc>
+            </a:pPr>
+            <a:r>
+              <a:rPr lang="en-US" sz="1900" dirty="0">
+                <a:latin typeface="Roboto" panose="02000000000000000000" pitchFamily="2" charset="0"/>
+                <a:ea typeface="Roboto" panose="02000000000000000000" pitchFamily="2" charset="0"/>
+                <a:cs typeface="Roboto" panose="02000000000000000000" pitchFamily="2" charset="0"/>
+              </a:rPr>
+              <a:t>Power generation</a:t>
+            </a:r>
+          </a:p>
+          <a:p>
+            <a:pPr lvl="1">
+              <a:lnSpc>
+                <a:spcPct val="160000"/>
+              </a:lnSpc>
+            </a:pPr>
+            <a:r>
+              <a:rPr lang="en-US" sz="1900" dirty="0">
+                <a:latin typeface="Roboto" panose="02000000000000000000" pitchFamily="2" charset="0"/>
+                <a:ea typeface="Roboto" panose="02000000000000000000" pitchFamily="2" charset="0"/>
+                <a:cs typeface="Roboto" panose="02000000000000000000" pitchFamily="2" charset="0"/>
+              </a:rPr>
+              <a:t>Industrial emissions</a:t>
+            </a:r>
+          </a:p>
+          <a:p>
+            <a:pPr marL="0" indent="0">
+              <a:lnSpc>
+                <a:spcPct val="160000"/>
+              </a:lnSpc>
+              <a:buNone/>
+            </a:pPr>
+            <a:r>
+              <a:rPr lang="en-US" sz="2500" b="1" i="1" u="sng" dirty="0">
+                <a:latin typeface="Roboto" panose="02000000000000000000" pitchFamily="2" charset="0"/>
+                <a:ea typeface="Roboto" panose="02000000000000000000" pitchFamily="2" charset="0"/>
+                <a:cs typeface="Roboto" panose="02000000000000000000" pitchFamily="2" charset="0"/>
+              </a:rPr>
+              <a:t>Q: Comparing carbon dioxide releases per person, would the emissions be the same everywhere?</a:t>
+            </a:r>
+            <a:endParaRPr lang="en-US" sz="2100" dirty="0">
+              <a:latin typeface="Roboto" panose="02000000000000000000" pitchFamily="2" charset="0"/>
+              <a:ea typeface="Roboto" panose="02000000000000000000" pitchFamily="2" charset="0"/>
+              <a:cs typeface="Roboto" panose="02000000000000000000" pitchFamily="2" charset="0"/>
+            </a:endParaRPr>
           </a:p>
           <a:p>
             <a:pPr>
@@ -12556,7 +14237,7 @@
                 <a:ea typeface="Roboto" panose="02000000000000000000" pitchFamily="2" charset="0"/>
                 <a:cs typeface="Roboto" panose="02000000000000000000" pitchFamily="2" charset="0"/>
               </a:rPr>
-              <a:t>Min = 58.90 years</a:t>
+              <a:t>Dividing the carbon dioxide emissions by population reveals similar densities on the geo map.</a:t>
             </a:r>
           </a:p>
           <a:p>
@@ -12566,12 +14247,20 @@
               </a:lnSpc>
             </a:pPr>
             <a:r>
-              <a:rPr lang="en-US" sz="2300" dirty="0">
+              <a:rPr lang="en-US" sz="2300" b="1" dirty="0">
                 <a:latin typeface="Roboto" panose="02000000000000000000" pitchFamily="2" charset="0"/>
                 <a:ea typeface="Roboto" panose="02000000000000000000" pitchFamily="2" charset="0"/>
                 <a:cs typeface="Roboto" panose="02000000000000000000" pitchFamily="2" charset="0"/>
               </a:rPr>
-              <a:t>Max = 84.30 years</a:t>
+              <a:t>India and Brazil appear to be the outliers </a:t>
+            </a:r>
+            <a:r>
+              <a:rPr lang="en-US" sz="2300" dirty="0">
+                <a:latin typeface="Roboto" panose="02000000000000000000" pitchFamily="2" charset="0"/>
+                <a:ea typeface="Roboto" panose="02000000000000000000" pitchFamily="2" charset="0"/>
+                <a:cs typeface="Roboto" panose="02000000000000000000" pitchFamily="2" charset="0"/>
+              </a:rPr>
+              <a:t>on the geo map.</a:t>
             </a:r>
           </a:p>
           <a:p>
@@ -12581,42 +14270,20 @@
               </a:lnSpc>
             </a:pPr>
             <a:r>
-              <a:rPr lang="en-US" sz="2300" dirty="0">
+              <a:rPr lang="en-US" sz="2300" b="1" dirty="0">
                 <a:latin typeface="Roboto" panose="02000000000000000000" pitchFamily="2" charset="0"/>
                 <a:ea typeface="Roboto" panose="02000000000000000000" pitchFamily="2" charset="0"/>
                 <a:cs typeface="Roboto" panose="02000000000000000000" pitchFamily="2" charset="0"/>
               </a:rPr>
-              <a:t>Lower Quartile= 71.72 years</a:t>
-            </a:r>
-          </a:p>
-          <a:p>
-            <a:pPr>
-              <a:lnSpc>
-                <a:spcPct val="160000"/>
-              </a:lnSpc>
-            </a:pPr>
+              <a:t>India and Brazil have lower GDP</a:t>
+            </a:r>
             <a:r>
               <a:rPr lang="en-US" sz="2300" dirty="0">
                 <a:latin typeface="Roboto" panose="02000000000000000000" pitchFamily="2" charset="0"/>
                 <a:ea typeface="Roboto" panose="02000000000000000000" pitchFamily="2" charset="0"/>
                 <a:cs typeface="Roboto" panose="02000000000000000000" pitchFamily="2" charset="0"/>
               </a:rPr>
-              <a:t>Mid-Quartile = 78.90 years</a:t>
-            </a:r>
-          </a:p>
-          <a:p>
-            <a:pPr>
-              <a:lnSpc>
-                <a:spcPct val="160000"/>
-              </a:lnSpc>
-            </a:pPr>
-            <a:r>
-              <a:rPr lang="en-US" sz="2300" dirty="0">
-                <a:latin typeface="Roboto" panose="02000000000000000000" pitchFamily="2" charset="0"/>
-                <a:ea typeface="Roboto" panose="02000000000000000000" pitchFamily="2" charset="0"/>
-                <a:cs typeface="Roboto" panose="02000000000000000000" pitchFamily="2" charset="0"/>
-              </a:rPr>
-              <a:t>Upper Quartile = 82.10 years</a:t>
+              <a:t>, possibly indicating lower amounts of industry and resulting in population having a greater effect.</a:t>
             </a:r>
           </a:p>
         </p:txBody>
@@ -12667,13 +14334,153 @@
                 </a:solidFill>
                 <a:effectLst/>
                 <a:latin typeface="Roboto" panose="02000000000000000000" pitchFamily="2" charset="0"/>
-              </a:rPr>
-              <a:t>Source: https://ourworldindata.org/life-expectancy</a:t>
-            </a:r>
-            <a:endParaRPr lang="en-US" sz="1100" i="1" dirty="0"/>
+                <a:ea typeface="Roboto" panose="02000000000000000000" pitchFamily="2" charset="0"/>
+                <a:cs typeface="Roboto" panose="02000000000000000000" pitchFamily="2" charset="0"/>
+              </a:rPr>
+              <a:t>Source</a:t>
+            </a:r>
+            <a:r>
+              <a:rPr lang="en-US" sz="1100" i="1" dirty="0">
+                <a:latin typeface="Roboto" panose="02000000000000000000" pitchFamily="2" charset="0"/>
+                <a:ea typeface="Roboto" panose="02000000000000000000" pitchFamily="2" charset="0"/>
+                <a:cs typeface="Roboto" panose="02000000000000000000" pitchFamily="2" charset="0"/>
+              </a:rPr>
+              <a:t> :  https://ourworldindata.org/co2-emissions</a:t>
+            </a:r>
           </a:p>
         </p:txBody>
       </p:sp>
+      <p:sp>
+        <p:nvSpPr>
+          <p:cNvPr id="7" name="Title 1">
+            <a:extLst>
+              <a:ext uri="{FF2B5EF4-FFF2-40B4-BE49-F238E27FC236}">
+                <a16:creationId xmlns:a16="http://schemas.microsoft.com/office/drawing/2014/main" id="{00D7F83E-571F-77E0-1ADA-CAC094843E8A}"/>
+              </a:ext>
+            </a:extLst>
+          </p:cNvPr>
+          <p:cNvSpPr txBox="1">
+            <a:spLocks/>
+          </p:cNvSpPr>
+          <p:nvPr/>
+        </p:nvSpPr>
+        <p:spPr>
+          <a:xfrm>
+            <a:off x="1410026" y="371784"/>
+            <a:ext cx="9371949" cy="1183566"/>
+          </a:xfrm>
+          <a:prstGeom prst="rect">
+            <a:avLst/>
+          </a:prstGeom>
+        </p:spPr>
+        <p:txBody>
+          <a:bodyPr vert="horz" lIns="91440" tIns="45720" rIns="91440" bIns="45720" rtlCol="0" anchor="b">
+            <a:normAutofit/>
+          </a:bodyPr>
+          <a:lstStyle>
+            <a:lvl1pPr algn="l" defTabSz="914400" rtl="0" eaLnBrk="1" latinLnBrk="0" hangingPunct="1">
+              <a:spcBef>
+                <a:spcPct val="0"/>
+              </a:spcBef>
+              <a:buNone/>
+              <a:defRPr sz="3400" kern="1200">
+                <a:solidFill>
+                  <a:schemeClr val="bg1"/>
+                </a:solidFill>
+                <a:latin typeface="+mj-lt"/>
+                <a:ea typeface="+mj-ea"/>
+                <a:cs typeface="+mj-cs"/>
+              </a:defRPr>
+            </a:lvl1pPr>
+          </a:lstStyle>
+          <a:p>
+            <a:r>
+              <a:rPr lang="en-US"/>
+              <a:t>Comparing Carbon Dioxide Emissions</a:t>
+            </a:r>
+            <a:br>
+              <a:rPr lang="en-US"/>
+            </a:br>
+            <a:r>
+              <a:rPr lang="en-US" sz="1600" i="1"/>
+              <a:t>Density Locations and Over Time</a:t>
+            </a:r>
+            <a:endParaRPr lang="en-US" i="1" dirty="0"/>
+          </a:p>
+        </p:txBody>
+      </p:sp>
+      <p:pic>
+        <p:nvPicPr>
+          <p:cNvPr id="9" name="Picture 8" descr="Chart, line chart">
+            <a:extLst>
+              <a:ext uri="{FF2B5EF4-FFF2-40B4-BE49-F238E27FC236}">
+                <a16:creationId xmlns:a16="http://schemas.microsoft.com/office/drawing/2014/main" id="{D4EBC015-0E04-045B-E511-1B8DE801617F}"/>
+              </a:ext>
+            </a:extLst>
+          </p:cNvPr>
+          <p:cNvPicPr>
+            <a:picLocks noChangeAspect="1"/>
+          </p:cNvPicPr>
+          <p:nvPr/>
+        </p:nvPicPr>
+        <p:blipFill>
+          <a:blip r:embed="rId2">
+            <a:extLst>
+              <a:ext uri="{28A0092B-C50C-407E-A947-70E740481C1C}">
+                <a14:useLocalDpi xmlns:a14="http://schemas.microsoft.com/office/drawing/2010/main" val="0"/>
+              </a:ext>
+            </a:extLst>
+          </a:blip>
+          <a:stretch>
+            <a:fillRect/>
+          </a:stretch>
+        </p:blipFill>
+        <p:spPr>
+          <a:xfrm>
+            <a:off x="5366450" y="4071734"/>
+            <a:ext cx="5024182" cy="2263648"/>
+          </a:xfrm>
+          <a:prstGeom prst="rect">
+            <a:avLst/>
+          </a:prstGeom>
+        </p:spPr>
+      </p:pic>
+      <p:pic>
+        <p:nvPicPr>
+          <p:cNvPr id="10" name="Content Placeholder 8" descr="Map">
+            <a:extLst>
+              <a:ext uri="{FF2B5EF4-FFF2-40B4-BE49-F238E27FC236}">
+                <a16:creationId xmlns:a16="http://schemas.microsoft.com/office/drawing/2014/main" id="{1C1D9C9B-CCE5-4B17-8E4F-3CF44D1B08DD}"/>
+              </a:ext>
+            </a:extLst>
+          </p:cNvPr>
+          <p:cNvPicPr>
+            <a:picLocks noChangeAspect="1"/>
+          </p:cNvPicPr>
+          <p:nvPr/>
+        </p:nvPicPr>
+        <p:blipFill>
+          <a:blip r:embed="rId3">
+            <a:extLst>
+              <a:ext uri="{28A0092B-C50C-407E-A947-70E740481C1C}">
+                <a14:useLocalDpi xmlns:a14="http://schemas.microsoft.com/office/drawing/2010/main" val="0"/>
+              </a:ext>
+            </a:extLst>
+          </a:blip>
+          <a:stretch>
+            <a:fillRect/>
+          </a:stretch>
+        </p:blipFill>
+        <p:spPr>
+          <a:xfrm>
+            <a:off x="5138700" y="2003977"/>
+            <a:ext cx="5856698" cy="2074247"/>
+          </a:xfrm>
+          <a:prstGeom prst="rect">
+            <a:avLst/>
+          </a:prstGeom>
+        </p:spPr>
+      </p:pic>
     </p:spTree>
     <p:extLst>
       <p:ext uri="{BB962C8B-B14F-4D97-AF65-F5344CB8AC3E}">

--- a/Population.pptx
+++ b/Population.pptx
@@ -958,7 +958,7 @@
             </a:pPr>
             <a:r>
               <a:rPr lang="en-US" dirty="0"/>
-              <a:t>We wanted to know which countries were healthiest and whether population was a factor.</a:t>
+              <a:t>Another health indicator we decided to use was Infant Mortality Rate since it’s typically used to measure a country’s overall health. We wanted to know which countries were healthiest and whether population would be a factor.</a:t>
             </a:r>
           </a:p>
           <a:p>
@@ -968,7 +968,7 @@
             </a:pPr>
             <a:r>
               <a:rPr lang="en-US" dirty="0"/>
-              <a:t>To do this, the Infant Mortality Rate is typically a good indicator for a society to measure their overall health.</a:t>
+              <a:t>According to the data, the least healthy countries were…</a:t>
             </a:r>
           </a:p>
           <a:p>
@@ -978,8 +978,25 @@
             </a:pPr>
             <a:r>
               <a:rPr lang="en-US" dirty="0"/>
-              <a:t>According to the graph…</a:t>
-            </a:r>
+              <a:t>Japan is also among the top countries for having the best healthcare systems so that wasn’t very surprising.</a:t>
+            </a:r>
+          </a:p>
+          <a:p>
+            <a:pPr marL="171450" indent="-171450">
+              <a:buFontTx/>
+              <a:buChar char="-"/>
+            </a:pPr>
+            <a:r>
+              <a:rPr lang="en-US" dirty="0"/>
+              <a:t>But South Africa seemed like an anomaly because it’s among the least densely populated countries.</a:t>
+            </a:r>
+          </a:p>
+          <a:p>
+            <a:pPr marL="171450" indent="-171450">
+              <a:buFontTx/>
+              <a:buChar char="-"/>
+            </a:pPr>
+            <a:endParaRPr lang="en-US" dirty="0"/>
           </a:p>
         </p:txBody>
       </p:sp>
@@ -1082,7 +1099,30 @@
             </a:pPr>
             <a:r>
               <a:rPr lang="en-US" dirty="0"/>
-              <a:t>-W/ that being said, we also wanted to measure the impact of outdoor air pollution, which is one of the world’s largest health and environmental problems, against cardiovascular disease and cancer which are the leading causes of death worldwide.</a:t>
+              <a:t>-W/ that being said, we also wanted to measure the impact of outdoor air pollution, which is one of the world’s largest health and environmental problems. We measured that against cardiovascular disease and cancer which are the leading causes of death worldwide.</a:t>
+            </a:r>
+          </a:p>
+          <a:p>
+            <a:pPr marL="0" marR="0" lvl="0" indent="0" algn="l" defTabSz="914400" rtl="0" eaLnBrk="1" fontAlgn="auto" latinLnBrk="0" hangingPunct="1">
+              <a:lnSpc>
+                <a:spcPct val="100000"/>
+              </a:lnSpc>
+              <a:spcBef>
+                <a:spcPts val="0"/>
+              </a:spcBef>
+              <a:spcAft>
+                <a:spcPts val="0"/>
+              </a:spcAft>
+              <a:buClrTx/>
+              <a:buSzTx/>
+              <a:buFontTx/>
+              <a:buNone/>
+              <a:tabLst/>
+              <a:defRPr/>
+            </a:pPr>
+            <a:r>
+              <a:rPr lang="en-US" dirty="0"/>
+              <a:t>- According to the data, cardiovascular disease death rates indicated in orange dots was led by Russia. Cancer death rates in red was led by the United Kingdom and outdoor air pollution indicated in blue was led by India.</a:t>
             </a:r>
           </a:p>
           <a:p>
@@ -1298,7 +1338,35 @@
           <a:p>
             <a:r>
               <a:rPr lang="en-US" dirty="0"/>
-              <a:t>China 2</a:t>
+              <a:t>-This chart summarizes all of the data as an average per country and represents a strong positive correlation between outdoor air pollution and cardiovascular disease death rates as well as outdoor air pollution and cancer death rates with </a:t>
+            </a:r>
+            <a:r>
+              <a:rPr lang="en-US" dirty="0" err="1"/>
+              <a:t>r-values</a:t>
+            </a:r>
+            <a:r>
+              <a:rPr lang="en-US" dirty="0"/>
+              <a:t> of .95 and .97.</a:t>
+            </a:r>
+          </a:p>
+          <a:p>
+            <a:r>
+              <a:rPr lang="en-US" dirty="0"/>
+              <a:t>-Countries highlighted in red have the highest values. Countries highlighted in orange have the 2nd highest rates and yellow have the 3</a:t>
+            </a:r>
+            <a:r>
+              <a:rPr lang="en-US" baseline="30000" dirty="0"/>
+              <a:t>rd</a:t>
+            </a:r>
+            <a:r>
+              <a:rPr lang="en-US" dirty="0"/>
+              <a:t> highest. Countries highlighted in green have the lowest values.</a:t>
+            </a:r>
+          </a:p>
+          <a:p>
+            <a:r>
+              <a:rPr lang="en-US" dirty="0"/>
+              <a:t>-Some key takeaways from this chart are that China, being the largest densely populated country is also the 2</a:t>
             </a:r>
             <a:r>
               <a:rPr lang="en-US" baseline="30000" dirty="0"/>
@@ -1306,27 +1374,17 @@
             </a:r>
             <a:r>
               <a:rPr lang="en-US" dirty="0"/>
-              <a:t> in all three categories w/ largest population</a:t>
-            </a:r>
-          </a:p>
-          <a:p>
+              <a:t> leading country in all three categories.</a:t>
+            </a:r>
+          </a:p>
+          <a:p>
+            <a:pPr marL="0" indent="0">
+              <a:buFontTx/>
+              <a:buNone/>
+            </a:pPr>
             <a:r>
               <a:rPr lang="en-US" dirty="0"/>
-              <a:t>India has the lowest cancer rates but the highest air pollution rates</a:t>
-            </a:r>
-          </a:p>
-          <a:p>
-            <a:r>
-              <a:rPr lang="en-US" dirty="0"/>
-              <a:t>Smaller countries that are less densely populated are south Africa, </a:t>
-            </a:r>
-            <a:r>
-              <a:rPr lang="en-US" dirty="0" err="1"/>
-              <a:t>uk</a:t>
-            </a:r>
-            <a:r>
-              <a:rPr lang="en-US" dirty="0"/>
-              <a:t>, and Germany that rank among the top 3 countries for all 3 categories. Surprising was UK’s cancer death rates as they rank among the best countries with healthcare.</a:t>
+              <a:t>-And a few of the smallest densely populated countries like the United Kingdom, Germany, and South Africa had some of the highest death rates compared to countries with higher populations.</a:t>
             </a:r>
           </a:p>
         </p:txBody>
@@ -1412,56 +1470,61 @@
           <a:lstStyle/>
           <a:p>
             <a:r>
-              <a:rPr lang="en-US" dirty="0">
-                <a:latin typeface="Roboto" panose="02000000000000000000" pitchFamily="2" charset="0"/>
-                <a:ea typeface="Roboto" panose="02000000000000000000" pitchFamily="2" charset="0"/>
-                <a:cs typeface="Roboto" panose="02000000000000000000" pitchFamily="2" charset="0"/>
-              </a:rPr>
-              <a:t>- Findings vs Hypothesis?</a:t>
-            </a:r>
-          </a:p>
-          <a:p>
-            <a:r>
-              <a:rPr lang="en-US" dirty="0">
-                <a:latin typeface="Roboto" panose="02000000000000000000" pitchFamily="2" charset="0"/>
-                <a:ea typeface="Roboto" panose="02000000000000000000" pitchFamily="2" charset="0"/>
-                <a:cs typeface="Roboto" panose="02000000000000000000" pitchFamily="2" charset="0"/>
-              </a:rPr>
-              <a:t>- Accuracy?</a:t>
-            </a:r>
-          </a:p>
-          <a:p>
-            <a:r>
-              <a:rPr lang="en-US" dirty="0">
-                <a:latin typeface="Roboto" panose="02000000000000000000" pitchFamily="2" charset="0"/>
-                <a:ea typeface="Roboto" panose="02000000000000000000" pitchFamily="2" charset="0"/>
-                <a:cs typeface="Roboto" panose="02000000000000000000" pitchFamily="2" charset="0"/>
-              </a:rPr>
-              <a:t>- Relevant?</a:t>
-            </a:r>
-          </a:p>
-          <a:p>
-            <a:r>
-              <a:rPr lang="en-US" dirty="0">
-                <a:latin typeface="Roboto" panose="02000000000000000000" pitchFamily="2" charset="0"/>
-                <a:ea typeface="Roboto" panose="02000000000000000000" pitchFamily="2" charset="0"/>
-                <a:cs typeface="Roboto" panose="02000000000000000000" pitchFamily="2" charset="0"/>
-              </a:rPr>
-              <a:t>- How can data be used?</a:t>
-            </a:r>
-          </a:p>
-          <a:p>
-            <a:r>
-              <a:rPr lang="en-US" dirty="0">
-                <a:latin typeface="Roboto" panose="02000000000000000000" pitchFamily="2" charset="0"/>
-                <a:ea typeface="Roboto" panose="02000000000000000000" pitchFamily="2" charset="0"/>
-                <a:cs typeface="Roboto" panose="02000000000000000000" pitchFamily="2" charset="0"/>
-              </a:rPr>
-              <a:t>- What was learned?</a:t>
-            </a:r>
-          </a:p>
-          <a:p>
-            <a:endParaRPr lang="en-US" dirty="0"/>
+              <a:rPr lang="en-US" dirty="0"/>
+              <a:t>-To summarize, for the environmental aspect, (read slide)</a:t>
+            </a:r>
+          </a:p>
+          <a:p>
+            <a:r>
+              <a:rPr lang="en-US" dirty="0"/>
+              <a:t>-For the cement carbon footprint, we assumed that the most populated countries were the worst polluters, but that was not the case since Israel ranked 2nd.</a:t>
+            </a:r>
+          </a:p>
+          <a:p>
+            <a:r>
+              <a:rPr lang="en-US" dirty="0"/>
+              <a:t>-If we use the data and trends to predict the future, we can predict that Israel will fall well below Japan and no longer be held as the 2</a:t>
+            </a:r>
+            <a:r>
+              <a:rPr lang="en-US" baseline="30000" dirty="0"/>
+              <a:t>nd</a:t>
+            </a:r>
+            <a:r>
+              <a:rPr lang="en-US" dirty="0"/>
+              <a:t> ranked country for cement CO2 emissions.</a:t>
+            </a:r>
+          </a:p>
+          <a:p>
+            <a:r>
+              <a:rPr lang="en-US" dirty="0"/>
+              <a:t>-In terms of the health aspect, the top 3 countries for life expectancy were (top: read slide) which made sense since they were also among the smallest densely populated countries. Again, South Africa essentially an outlier for the data.</a:t>
+            </a:r>
+          </a:p>
+          <a:p>
+            <a:r>
+              <a:rPr lang="en-US" dirty="0"/>
+              <a:t>-Since China and India have below average life expectancy rates and have the highest annual death rates, we can conclude that there is an inversely proportionate correlation between population and health outcomes which is understandable given the population density.</a:t>
+            </a:r>
+          </a:p>
+          <a:p>
+            <a:r>
+              <a:rPr lang="en-US" dirty="0"/>
+              <a:t>-And with China being the 2</a:t>
+            </a:r>
+            <a:r>
+              <a:rPr lang="en-US" baseline="30000" dirty="0"/>
+              <a:t>nd</a:t>
+            </a:r>
+            <a:r>
+              <a:rPr lang="en-US" dirty="0"/>
+              <a:t> leading country in all death rates for outdoor air pollution, cardiovascular disease, and cancer, we can conclude that it is also correlated to its population density.</a:t>
+            </a:r>
+          </a:p>
+          <a:p>
+            <a:r>
+              <a:rPr lang="en-US" dirty="0"/>
+              <a:t>-With the exception of South Africa having high death rates for 2 out of the 3 categories and having the lowest life expectancy rate , we can likely attribute it to (read slide)</a:t>
+            </a:r>
           </a:p>
         </p:txBody>
       </p:sp>
@@ -1545,7 +1608,10 @@
           <a:bodyPr/>
           <a:lstStyle/>
           <a:p>
-            <a:endParaRPr lang="en-US"/>
+            <a:r>
+              <a:rPr lang="en-US" dirty="0"/>
+              <a:t>That concludes our presentation, are there any questions</a:t>
+            </a:r>
           </a:p>
         </p:txBody>
       </p:sp>
@@ -6479,7 +6545,7 @@
               </a:lnSpc>
             </a:pPr>
             <a:r>
-              <a:rPr lang="en-US" sz="3700" b="1" dirty="0">
+              <a:rPr lang="en-US" sz="4500" b="1" dirty="0">
                 <a:latin typeface="Roboto" panose="02000000000000000000" pitchFamily="2" charset="0"/>
                 <a:ea typeface="Roboto" panose="02000000000000000000" pitchFamily="2" charset="0"/>
                 <a:cs typeface="Roboto" panose="02000000000000000000" pitchFamily="2" charset="0"/>
@@ -6494,7 +6560,7 @@
               </a:lnSpc>
             </a:pPr>
             <a:r>
-              <a:rPr lang="en-US" sz="3100" b="1" i="1" dirty="0">
+              <a:rPr lang="en-US" sz="3500" b="1" i="1" dirty="0">
                 <a:latin typeface="Roboto" panose="02000000000000000000" pitchFamily="2" charset="0"/>
                 <a:ea typeface="Roboto" panose="02000000000000000000" pitchFamily="2" charset="0"/>
                 <a:cs typeface="Roboto" panose="02000000000000000000" pitchFamily="2" charset="0"/>
@@ -6502,7 +6568,7 @@
               <a:t>1st in Infant Mortality Rate </a:t>
             </a:r>
             <a:r>
-              <a:rPr lang="en-US" sz="3100" b="1" dirty="0">
+              <a:rPr lang="en-US" sz="3500" b="1" dirty="0">
                 <a:latin typeface="Roboto" panose="02000000000000000000" pitchFamily="2" charset="0"/>
                 <a:ea typeface="Roboto" panose="02000000000000000000" pitchFamily="2" charset="0"/>
                 <a:cs typeface="Roboto" panose="02000000000000000000" pitchFamily="2" charset="0"/>
@@ -6510,7 +6576,7 @@
               <a:t>India: </a:t>
             </a:r>
             <a:r>
-              <a:rPr lang="en-US" sz="3100" dirty="0">
+              <a:rPr lang="en-US" sz="3500" dirty="0">
                 <a:latin typeface="Roboto" panose="02000000000000000000" pitchFamily="2" charset="0"/>
                 <a:ea typeface="Roboto" panose="02000000000000000000" pitchFamily="2" charset="0"/>
                 <a:cs typeface="Roboto" panose="02000000000000000000" pitchFamily="2" charset="0"/>
@@ -6518,7 +6584,7 @@
               <a:t>45.09 in 2010 and 29.76 in 2018 </a:t>
             </a:r>
             <a:r>
-              <a:rPr lang="en-US" sz="3100" i="1" dirty="0">
+              <a:rPr lang="en-US" sz="3500" i="1" dirty="0">
                 <a:latin typeface="Roboto" panose="02000000000000000000" pitchFamily="2" charset="0"/>
                 <a:ea typeface="Roboto" panose="02000000000000000000" pitchFamily="2" charset="0"/>
                 <a:cs typeface="Roboto" panose="02000000000000000000" pitchFamily="2" charset="0"/>
@@ -6533,7 +6599,7 @@
               </a:lnSpc>
             </a:pPr>
             <a:r>
-              <a:rPr lang="en-US" sz="3100" b="1" i="1" dirty="0">
+              <a:rPr lang="en-US" sz="3500" b="1" i="1" dirty="0">
                 <a:latin typeface="Roboto" panose="02000000000000000000" pitchFamily="2" charset="0"/>
                 <a:ea typeface="Roboto" panose="02000000000000000000" pitchFamily="2" charset="0"/>
                 <a:cs typeface="Roboto" panose="02000000000000000000" pitchFamily="2" charset="0"/>
@@ -6541,7 +6607,7 @@
               <a:t>2nd in Infant Morality Rate </a:t>
             </a:r>
             <a:r>
-              <a:rPr lang="en-US" sz="3100" b="1" dirty="0">
+              <a:rPr lang="en-US" sz="3500" b="1" dirty="0">
                 <a:latin typeface="Roboto" panose="02000000000000000000" pitchFamily="2" charset="0"/>
                 <a:ea typeface="Roboto" panose="02000000000000000000" pitchFamily="2" charset="0"/>
                 <a:cs typeface="Roboto" panose="02000000000000000000" pitchFamily="2" charset="0"/>
@@ -6549,7 +6615,7 @@
               <a:t>South Africa</a:t>
             </a:r>
             <a:r>
-              <a:rPr lang="en-US" sz="3100" dirty="0">
+              <a:rPr lang="en-US" sz="3500" dirty="0">
                 <a:latin typeface="Roboto" panose="02000000000000000000" pitchFamily="2" charset="0"/>
                 <a:ea typeface="Roboto" panose="02000000000000000000" pitchFamily="2" charset="0"/>
                 <a:cs typeface="Roboto" panose="02000000000000000000" pitchFamily="2" charset="0"/>
@@ -6564,42 +6630,21 @@
               </a:lnSpc>
             </a:pPr>
             <a:r>
-              <a:rPr lang="en-US" sz="3100" b="1" i="1" dirty="0">
+              <a:rPr lang="en-US" sz="3500" b="1" i="1" dirty="0">
                 <a:latin typeface="Roboto" panose="02000000000000000000" pitchFamily="2" charset="0"/>
                 <a:ea typeface="Roboto" panose="02000000000000000000" pitchFamily="2" charset="0"/>
                 <a:cs typeface="Roboto" panose="02000000000000000000" pitchFamily="2" charset="0"/>
               </a:rPr>
-              <a:t>4th in Infant Mortality Rate </a:t>
-            </a:r>
-            <a:r>
-              <a:rPr lang="en-US" sz="3100" b="1" dirty="0">
+              <a:t>3rd Brazil and 4th </a:t>
+            </a:r>
+            <a:r>
+              <a:rPr lang="en-US" sz="3500" b="1" dirty="0">
                 <a:latin typeface="Roboto" panose="02000000000000000000" pitchFamily="2" charset="0"/>
                 <a:ea typeface="Roboto" panose="02000000000000000000" pitchFamily="2" charset="0"/>
                 <a:cs typeface="Roboto" panose="02000000000000000000" pitchFamily="2" charset="0"/>
               </a:rPr>
-              <a:t>China: </a:t>
-            </a:r>
-            <a:r>
-              <a:rPr lang="en-US" sz="3100" dirty="0">
-                <a:latin typeface="Roboto" panose="02000000000000000000" pitchFamily="2" charset="0"/>
-                <a:ea typeface="Roboto" panose="02000000000000000000" pitchFamily="2" charset="0"/>
-                <a:cs typeface="Roboto" panose="02000000000000000000" pitchFamily="2" charset="0"/>
-              </a:rPr>
-              <a:t>12.53 in 2010 and 6.44 in 2018 </a:t>
-            </a:r>
-            <a:r>
-              <a:rPr lang="en-US" sz="3100" i="1" dirty="0">
-                <a:latin typeface="Roboto" panose="02000000000000000000" pitchFamily="2" charset="0"/>
-                <a:ea typeface="Roboto" panose="02000000000000000000" pitchFamily="2" charset="0"/>
-                <a:cs typeface="Roboto" panose="02000000000000000000" pitchFamily="2" charset="0"/>
-              </a:rPr>
-              <a:t>(1st largest populated)</a:t>
-            </a:r>
-            <a:endParaRPr lang="en-US" sz="3100" dirty="0">
-              <a:latin typeface="Roboto" panose="02000000000000000000" pitchFamily="2" charset="0"/>
-              <a:ea typeface="Roboto" panose="02000000000000000000" pitchFamily="2" charset="0"/>
-              <a:cs typeface="Roboto" panose="02000000000000000000" pitchFamily="2" charset="0"/>
-            </a:endParaRPr>
+              <a:t>China</a:t>
+            </a:r>
           </a:p>
           <a:p>
             <a:pPr>
@@ -6608,7 +6653,7 @@
               </a:lnSpc>
             </a:pPr>
             <a:r>
-              <a:rPr lang="en-US" sz="3700" b="1" dirty="0">
+              <a:rPr lang="en-US" sz="4500" b="1" dirty="0">
                 <a:latin typeface="Roboto" panose="02000000000000000000" pitchFamily="2" charset="0"/>
                 <a:ea typeface="Roboto" panose="02000000000000000000" pitchFamily="2" charset="0"/>
                 <a:cs typeface="Roboto" panose="02000000000000000000" pitchFamily="2" charset="0"/>
@@ -6623,7 +6668,7 @@
               </a:lnSpc>
             </a:pPr>
             <a:r>
-              <a:rPr lang="en-US" sz="3100" b="1" dirty="0">
+              <a:rPr lang="en-US" sz="3500" b="1" dirty="0">
                 <a:latin typeface="Roboto" panose="02000000000000000000" pitchFamily="2" charset="0"/>
                 <a:ea typeface="Roboto" panose="02000000000000000000" pitchFamily="2" charset="0"/>
                 <a:cs typeface="Roboto" panose="02000000000000000000" pitchFamily="2" charset="0"/>
@@ -6631,7 +6676,7 @@
               <a:t>Japan</a:t>
             </a:r>
             <a:r>
-              <a:rPr lang="en-US" sz="3100" dirty="0">
+              <a:rPr lang="en-US" sz="3500" dirty="0">
                 <a:latin typeface="Roboto" panose="02000000000000000000" pitchFamily="2" charset="0"/>
                 <a:ea typeface="Roboto" panose="02000000000000000000" pitchFamily="2" charset="0"/>
                 <a:cs typeface="Roboto" panose="02000000000000000000" pitchFamily="2" charset="0"/>
@@ -6646,7 +6691,7 @@
               </a:lnSpc>
             </a:pPr>
             <a:r>
-              <a:rPr lang="en-US" sz="3100" b="1" dirty="0">
+              <a:rPr lang="en-US" sz="3500" b="1" dirty="0">
                 <a:latin typeface="Roboto" panose="02000000000000000000" pitchFamily="2" charset="0"/>
                 <a:ea typeface="Roboto" panose="02000000000000000000" pitchFamily="2" charset="0"/>
                 <a:cs typeface="Roboto" panose="02000000000000000000" pitchFamily="2" charset="0"/>
@@ -6654,7 +6699,7 @@
               <a:t>2nd:</a:t>
             </a:r>
             <a:r>
-              <a:rPr lang="en-US" sz="3100" dirty="0">
+              <a:rPr lang="en-US" sz="3500" dirty="0">
                 <a:latin typeface="Roboto" panose="02000000000000000000" pitchFamily="2" charset="0"/>
                 <a:ea typeface="Roboto" panose="02000000000000000000" pitchFamily="2" charset="0"/>
                 <a:cs typeface="Roboto" panose="02000000000000000000" pitchFamily="2" charset="0"/>
@@ -6662,7 +6707,7 @@
               <a:t> Israel</a:t>
             </a:r>
             <a:r>
-              <a:rPr lang="en-US" sz="3100" b="1" dirty="0">
+              <a:rPr lang="en-US" sz="3500" b="1" dirty="0">
                 <a:latin typeface="Roboto" panose="02000000000000000000" pitchFamily="2" charset="0"/>
                 <a:ea typeface="Roboto" panose="02000000000000000000" pitchFamily="2" charset="0"/>
                 <a:cs typeface="Roboto" panose="02000000000000000000" pitchFamily="2" charset="0"/>
@@ -6670,7 +6715,7 @@
               <a:t>, 3rd: </a:t>
             </a:r>
             <a:r>
-              <a:rPr lang="en-US" sz="3100" dirty="0">
+              <a:rPr lang="en-US" sz="3500" dirty="0">
                 <a:latin typeface="Roboto" panose="02000000000000000000" pitchFamily="2" charset="0"/>
                 <a:ea typeface="Roboto" panose="02000000000000000000" pitchFamily="2" charset="0"/>
                 <a:cs typeface="Roboto" panose="02000000000000000000" pitchFamily="2" charset="0"/>
@@ -6678,7 +6723,7 @@
               <a:t>Germany, </a:t>
             </a:r>
             <a:r>
-              <a:rPr lang="en-US" sz="3100" b="1" dirty="0">
+              <a:rPr lang="en-US" sz="3500" b="1" dirty="0">
                 <a:latin typeface="Roboto" panose="02000000000000000000" pitchFamily="2" charset="0"/>
                 <a:ea typeface="Roboto" panose="02000000000000000000" pitchFamily="2" charset="0"/>
                 <a:cs typeface="Roboto" panose="02000000000000000000" pitchFamily="2" charset="0"/>
@@ -6686,7 +6731,7 @@
               <a:t>4th</a:t>
             </a:r>
             <a:r>
-              <a:rPr lang="en-US" sz="3100" dirty="0">
+              <a:rPr lang="en-US" sz="3500" dirty="0">
                 <a:latin typeface="Roboto" panose="02000000000000000000" pitchFamily="2" charset="0"/>
                 <a:ea typeface="Roboto" panose="02000000000000000000" pitchFamily="2" charset="0"/>
                 <a:cs typeface="Roboto" panose="02000000000000000000" pitchFamily="2" charset="0"/>
@@ -7267,31 +7312,26 @@
                 <a:ea typeface="Roboto" panose="02000000000000000000" pitchFamily="2" charset="0"/>
                 <a:cs typeface="Roboto" panose="02000000000000000000" pitchFamily="2" charset="0"/>
               </a:rPr>
-              <a:t>China 2nd, South Africa 3</a:t>
-            </a:r>
-            <a:r>
-              <a:rPr lang="en-US" sz="1400" baseline="30000" dirty="0">
+              <a:t>2nd: China and 3rd: South Africa</a:t>
+            </a:r>
+          </a:p>
+          <a:p>
+            <a:pPr lvl="1"/>
+            <a:r>
+              <a:rPr lang="en-US" sz="1400" b="1" dirty="0">
                 <a:latin typeface="Roboto" panose="02000000000000000000" pitchFamily="2" charset="0"/>
                 <a:ea typeface="Roboto" panose="02000000000000000000" pitchFamily="2" charset="0"/>
                 <a:cs typeface="Roboto" panose="02000000000000000000" pitchFamily="2" charset="0"/>
               </a:rPr>
-              <a:t>rd</a:t>
-            </a:r>
-            <a:endParaRPr lang="en-US" sz="1400" dirty="0">
-              <a:latin typeface="Roboto" panose="02000000000000000000" pitchFamily="2" charset="0"/>
-              <a:ea typeface="Roboto" panose="02000000000000000000" pitchFamily="2" charset="0"/>
-              <a:cs typeface="Roboto" panose="02000000000000000000" pitchFamily="2" charset="0"/>
-            </a:endParaRPr>
-          </a:p>
-          <a:p>
-            <a:pPr lvl="1"/>
+              <a:t>Japan least </a:t>
+            </a:r>
             <a:r>
               <a:rPr lang="en-US" sz="1400" dirty="0">
                 <a:latin typeface="Roboto" panose="02000000000000000000" pitchFamily="2" charset="0"/>
                 <a:ea typeface="Roboto" panose="02000000000000000000" pitchFamily="2" charset="0"/>
                 <a:cs typeface="Roboto" panose="02000000000000000000" pitchFamily="2" charset="0"/>
               </a:rPr>
-              <a:t>Japan least cardiovascular death rates</a:t>
+              <a:t>cardiovascular death rates</a:t>
             </a:r>
           </a:p>
           <a:p>
@@ -7307,12 +7347,36 @@
           <a:p>
             <a:pPr lvl="1"/>
             <a:r>
+              <a:rPr lang="en-US" sz="1400" b="1" dirty="0">
+                <a:latin typeface="Roboto" panose="02000000000000000000" pitchFamily="2" charset="0"/>
+                <a:ea typeface="Roboto" panose="02000000000000000000" pitchFamily="2" charset="0"/>
+                <a:cs typeface="Roboto" panose="02000000000000000000" pitchFamily="2" charset="0"/>
+              </a:rPr>
+              <a:t>India</a:t>
+            </a:r>
+            <a:r>
               <a:rPr lang="en-US" sz="1400" dirty="0">
                 <a:latin typeface="Roboto" panose="02000000000000000000" pitchFamily="2" charset="0"/>
                 <a:ea typeface="Roboto" panose="02000000000000000000" pitchFamily="2" charset="0"/>
                 <a:cs typeface="Roboto" panose="02000000000000000000" pitchFamily="2" charset="0"/>
               </a:rPr>
-              <a:t>India least cancer death rates</a:t>
+              <a:t> </a:t>
+            </a:r>
+            <a:r>
+              <a:rPr lang="en-US" sz="1400" b="1" dirty="0">
+                <a:latin typeface="Roboto" panose="02000000000000000000" pitchFamily="2" charset="0"/>
+                <a:ea typeface="Roboto" panose="02000000000000000000" pitchFamily="2" charset="0"/>
+                <a:cs typeface="Roboto" panose="02000000000000000000" pitchFamily="2" charset="0"/>
+              </a:rPr>
+              <a:t>least</a:t>
+            </a:r>
+            <a:r>
+              <a:rPr lang="en-US" sz="1400" dirty="0">
+                <a:latin typeface="Roboto" panose="02000000000000000000" pitchFamily="2" charset="0"/>
+                <a:ea typeface="Roboto" panose="02000000000000000000" pitchFamily="2" charset="0"/>
+                <a:cs typeface="Roboto" panose="02000000000000000000" pitchFamily="2" charset="0"/>
+              </a:rPr>
+              <a:t> cancer death rates</a:t>
             </a:r>
           </a:p>
           <a:p>
@@ -7328,12 +7392,36 @@
           <a:p>
             <a:pPr lvl="1"/>
             <a:r>
+              <a:rPr lang="en-US" sz="1400" b="1" dirty="0">
+                <a:latin typeface="Roboto" panose="02000000000000000000" pitchFamily="2" charset="0"/>
+                <a:ea typeface="Roboto" panose="02000000000000000000" pitchFamily="2" charset="0"/>
+                <a:cs typeface="Roboto" panose="02000000000000000000" pitchFamily="2" charset="0"/>
+              </a:rPr>
+              <a:t>Australia</a:t>
+            </a:r>
+            <a:r>
               <a:rPr lang="en-US" sz="1400" dirty="0">
                 <a:latin typeface="Roboto" panose="02000000000000000000" pitchFamily="2" charset="0"/>
                 <a:ea typeface="Roboto" panose="02000000000000000000" pitchFamily="2" charset="0"/>
                 <a:cs typeface="Roboto" panose="02000000000000000000" pitchFamily="2" charset="0"/>
               </a:rPr>
-              <a:t>Australia least outdoor air pollution death rates</a:t>
+              <a:t> </a:t>
+            </a:r>
+            <a:r>
+              <a:rPr lang="en-US" sz="1400" b="1" dirty="0">
+                <a:latin typeface="Roboto" panose="02000000000000000000" pitchFamily="2" charset="0"/>
+                <a:ea typeface="Roboto" panose="02000000000000000000" pitchFamily="2" charset="0"/>
+                <a:cs typeface="Roboto" panose="02000000000000000000" pitchFamily="2" charset="0"/>
+              </a:rPr>
+              <a:t>least</a:t>
+            </a:r>
+            <a:r>
+              <a:rPr lang="en-US" sz="1400" dirty="0">
+                <a:latin typeface="Roboto" panose="02000000000000000000" pitchFamily="2" charset="0"/>
+                <a:ea typeface="Roboto" panose="02000000000000000000" pitchFamily="2" charset="0"/>
+                <a:cs typeface="Roboto" panose="02000000000000000000" pitchFamily="2" charset="0"/>
+              </a:rPr>
+              <a:t> outdoor air pollution death rates</a:t>
             </a:r>
           </a:p>
           <a:p>
@@ -10766,7 +10854,7 @@
                 <a:ea typeface="Roboto" panose="02000000000000000000" pitchFamily="2" charset="0"/>
                 <a:cs typeface="Roboto" panose="02000000000000000000" pitchFamily="2" charset="0"/>
               </a:rPr>
-              <a:t>CO2 Emission have not changed </a:t>
+              <a:t>CO2 emissions have not changed </a:t>
             </a:r>
             <a:r>
               <a:rPr lang="en-US" sz="1600" b="0" i="0" dirty="0">
@@ -10778,7 +10866,7 @@
                 <a:ea typeface="Roboto" panose="02000000000000000000" pitchFamily="2" charset="0"/>
                 <a:cs typeface="Roboto" panose="02000000000000000000" pitchFamily="2" charset="0"/>
               </a:rPr>
-              <a:t>much over time, </a:t>
+              <a:t>significantly over time, </a:t>
             </a:r>
             <a:r>
               <a:rPr lang="en-US" sz="1600" b="1" i="0" dirty="0">
@@ -10948,7 +11036,7 @@
                 <a:ea typeface="Roboto" panose="02000000000000000000" pitchFamily="2" charset="0"/>
                 <a:cs typeface="Roboto" panose="02000000000000000000" pitchFamily="2" charset="0"/>
               </a:rPr>
-              <a:t>China and India are below average life expectancy </a:t>
+              <a:t>China and India have below average life expectancy </a:t>
             </a:r>
             <a:r>
               <a:rPr lang="en-US" sz="1600" dirty="0">
